--- a/intermediate competition/Intermediate Competition.pptx
+++ b/intermediate competition/Intermediate Competition.pptx
@@ -5,10 +5,10 @@
     <p:sldMasterId id="2147483648" r:id="rId1"/>
   </p:sldMasterIdLst>
   <p:notesMasterIdLst>
-    <p:notesMasterId r:id="rId14"/>
+    <p:notesMasterId r:id="rId8"/>
   </p:notesMasterIdLst>
   <p:handoutMasterIdLst>
-    <p:handoutMasterId r:id="rId15"/>
+    <p:handoutMasterId r:id="rId9"/>
   </p:handoutMasterIdLst>
   <p:sldIdLst>
     <p:sldId id="258" r:id="rId2"/>
@@ -16,13 +16,7 @@
     <p:sldId id="263" r:id="rId4"/>
     <p:sldId id="261" r:id="rId5"/>
     <p:sldId id="262" r:id="rId6"/>
-    <p:sldId id="264" r:id="rId7"/>
-    <p:sldId id="265" r:id="rId8"/>
-    <p:sldId id="266" r:id="rId9"/>
-    <p:sldId id="267" r:id="rId10"/>
-    <p:sldId id="268" r:id="rId11"/>
-    <p:sldId id="269" r:id="rId12"/>
-    <p:sldId id="270" r:id="rId13"/>
+    <p:sldId id="270" r:id="rId7"/>
   </p:sldIdLst>
   <p:sldSz cx="12192000" cy="6858000"/>
   <p:notesSz cx="6858000" cy="9144000"/>
@@ -147,7 +141,6 @@
   </mc:AlternateContent>
   <c:chart>
     <c:title>
-      <c:layout/>
       <c:overlay val="0"/>
       <c:spPr>
         <a:noFill/>
@@ -587,7 +580,6 @@
     </c:plotArea>
     <c:legend>
       <c:legendPos val="b"/>
-      <c:layout/>
       <c:overlay val="0"/>
       <c:spPr>
         <a:noFill/>
@@ -3755,7 +3747,21 @@
     </dgm:pt>
     <dgm:pt modelId="{7DF0CFF7-FA5C-4BB7-BF5F-A632F55B0A8F}" type="pres">
       <dgm:prSet presAssocID="{082E8A29-955A-4C7C-A174-3E9DCD4DC89B}" presName="rect2" presStyleLbl="fgImgPlace1" presStyleIdx="0" presStyleCnt="4"/>
-      <dgm:spPr/>
+      <dgm:spPr>
+        <a:blipFill>
+          <a:blip xmlns:r="http://schemas.openxmlformats.org/officeDocument/2006/relationships" r:embed="rId1" cstate="print">
+            <a:extLst>
+              <a:ext uri="{28A0092B-C50C-407E-A947-70E740481C1C}">
+                <a14:useLocalDpi xmlns:a14="http://schemas.microsoft.com/office/drawing/2010/main" val="0"/>
+              </a:ext>
+            </a:extLst>
+          </a:blip>
+          <a:srcRect/>
+          <a:stretch>
+            <a:fillRect l="-25000" r="-25000"/>
+          </a:stretch>
+        </a:blipFill>
+      </dgm:spPr>
       <dgm:t>
         <a:bodyPr/>
         <a:lstStyle/>
@@ -3803,7 +3809,30 @@
     </dgm:pt>
     <dgm:pt modelId="{E7993905-FC27-426F-A1EE-32FF8A5488BF}" type="pres">
       <dgm:prSet presAssocID="{B6E26FFC-9977-4BBC-BEC7-3D6B63754E52}" presName="rect2" presStyleLbl="fgImgPlace1" presStyleIdx="1" presStyleCnt="4"/>
-      <dgm:spPr/>
+      <dgm:spPr>
+        <a:blipFill>
+          <a:blip xmlns:r="http://schemas.openxmlformats.org/officeDocument/2006/relationships" r:embed="rId2" cstate="print">
+            <a:extLst>
+              <a:ext uri="{BEBA8EAE-BF5A-486C-A8C5-ECC9F3942E4B}">
+                <a14:imgProps xmlns:a14="http://schemas.microsoft.com/office/drawing/2010/main">
+                  <a14:imgLayer r:embed="rId3">
+                    <a14:imgEffect>
+                      <a14:backgroundRemoval t="0" b="100000" l="0" r="100000"/>
+                    </a14:imgEffect>
+                  </a14:imgLayer>
+                </a14:imgProps>
+              </a:ext>
+              <a:ext uri="{28A0092B-C50C-407E-A947-70E740481C1C}">
+                <a14:useLocalDpi xmlns:a14="http://schemas.microsoft.com/office/drawing/2010/main" val="0"/>
+              </a:ext>
+            </a:extLst>
+          </a:blip>
+          <a:srcRect/>
+          <a:stretch>
+            <a:fillRect l="-25000" r="-25000"/>
+          </a:stretch>
+        </a:blipFill>
+      </dgm:spPr>
       <dgm:t>
         <a:bodyPr/>
         <a:lstStyle/>
@@ -3851,7 +3880,44 @@
     </dgm:pt>
     <dgm:pt modelId="{EE839CB6-E987-4418-A8D0-33020E08273B}" type="pres">
       <dgm:prSet presAssocID="{6D0E5D9F-7263-4526-A227-51301233F549}" presName="rect2" presStyleLbl="fgImgPlace1" presStyleIdx="2" presStyleCnt="4"/>
-      <dgm:spPr/>
+      <dgm:spPr>
+        <a:blipFill>
+          <a:blip xmlns:r="http://schemas.openxmlformats.org/officeDocument/2006/relationships" r:embed="rId4" cstate="print">
+            <a:extLst>
+              <a:ext uri="{BEBA8EAE-BF5A-486C-A8C5-ECC9F3942E4B}">
+                <a14:imgProps xmlns:a14="http://schemas.microsoft.com/office/drawing/2010/main">
+                  <a14:imgLayer r:embed="rId5">
+                    <a14:imgEffect>
+                      <a14:backgroundRemoval t="2130" b="90000" l="3300" r="100000">
+                        <a14:foregroundMark x1="28100" y1="17500" x2="28100" y2="17500"/>
+                        <a14:foregroundMark x1="39100" y1="14259" x2="39100" y2="14259"/>
+                        <a14:foregroundMark x1="49400" y1="10648" x2="49400" y2="10648"/>
+                        <a14:foregroundMark x1="60300" y1="13796" x2="60300" y2="13796"/>
+                        <a14:foregroundMark x1="72600" y1="17870" x2="72600" y2="17870"/>
+                        <a14:foregroundMark x1="75900" y1="28333" x2="75900" y2="28333"/>
+                        <a14:foregroundMark x1="83400" y1="38611" x2="83400" y2="38611"/>
+                        <a14:foregroundMark x1="76200" y1="48333" x2="76200" y2="48333"/>
+                        <a14:foregroundMark x1="72600" y1="59167" x2="72600" y2="59167"/>
+                        <a14:foregroundMark x1="28500" y1="58889" x2="28500" y2="58889"/>
+                        <a14:foregroundMark x1="23500" y1="49167" x2="23500" y2="49167"/>
+                        <a14:foregroundMark x1="17400" y1="38611" x2="17400" y2="38611"/>
+                        <a14:foregroundMark x1="22900" y1="28889" x2="22900" y2="28889"/>
+                      </a14:backgroundRemoval>
+                    </a14:imgEffect>
+                  </a14:imgLayer>
+                </a14:imgProps>
+              </a:ext>
+              <a:ext uri="{28A0092B-C50C-407E-A947-70E740481C1C}">
+                <a14:useLocalDpi xmlns:a14="http://schemas.microsoft.com/office/drawing/2010/main" val="0"/>
+              </a:ext>
+            </a:extLst>
+          </a:blip>
+          <a:srcRect/>
+          <a:stretch>
+            <a:fillRect l="-19000" r="-19000"/>
+          </a:stretch>
+        </a:blipFill>
+      </dgm:spPr>
       <dgm:t>
         <a:bodyPr/>
         <a:lstStyle/>
@@ -3910,37 +3976,37 @@
     </dgm:pt>
   </dgm:ptLst>
   <dgm:cxnLst>
-    <dgm:cxn modelId="{1B8E71B0-2D3A-4AB0-8843-CFDACEDC3198}" srcId="{6D0E5D9F-7263-4526-A227-51301233F549}" destId="{F3256203-D9D1-492A-B801-68C1A32486F0}" srcOrd="0" destOrd="0" parTransId="{E9A20291-2E30-4C14-BB7D-DC095A20ECB6}" sibTransId="{6C9440D0-8847-40C0-98BC-2B5EA5745C3A}"/>
-    <dgm:cxn modelId="{C8C462C6-33A3-4E8B-91FE-36DBE92F1C4A}" srcId="{CF9055CF-8DEB-4A02-949A-DE72B6AC5D37}" destId="{6D0E5D9F-7263-4526-A227-51301233F549}" srcOrd="2" destOrd="0" parTransId="{23416D07-25F8-426C-BC65-639E6BCF4D6D}" sibTransId="{DE289E29-1989-4D8E-8AA6-F030105B3F13}"/>
+    <dgm:cxn modelId="{8B7AE64B-4299-4D56-A477-1A7951839AE0}" type="presOf" srcId="{23A0DE4A-FE92-496E-B335-3433CEFB74E9}" destId="{46F84F70-9597-4174-8D77-759535906429}" srcOrd="0" destOrd="1" presId="urn:microsoft.com/office/officeart/2008/layout/PictureStrips"/>
+    <dgm:cxn modelId="{DC4A0484-EB8E-47B0-A699-34C3B4DBD7E0}" type="presOf" srcId="{37A7C994-CC74-44DD-8777-ED6736B35821}" destId="{E636D6A4-0E84-4D06-A464-81AE1497D613}" srcOrd="0" destOrd="2" presId="urn:microsoft.com/office/officeart/2008/layout/PictureStrips"/>
+    <dgm:cxn modelId="{D286A548-6BB0-4DED-9FB5-D87042DDBE0A}" srcId="{082E8A29-955A-4C7C-A174-3E9DCD4DC89B}" destId="{A97FC57D-50D6-4D43-99C3-06D09820F122}" srcOrd="3" destOrd="0" parTransId="{5DD877C7-E4D9-4A68-A305-5A7689D3DBE7}" sibTransId="{C17BCABE-BEF2-4CC4-B037-B6B4866665CD}"/>
+    <dgm:cxn modelId="{90FA6B0C-9C3A-4D96-AA56-877D0A3EE6CD}" type="presOf" srcId="{B6E26FFC-9977-4BBC-BEC7-3D6B63754E52}" destId="{1CB0FC32-5534-43A4-8D7F-DF091A9313DE}" srcOrd="0" destOrd="0" presId="urn:microsoft.com/office/officeart/2008/layout/PictureStrips"/>
+    <dgm:cxn modelId="{E3BB1A4D-138B-4C9F-92EF-202E33053E8D}" type="presOf" srcId="{082E8A29-955A-4C7C-A174-3E9DCD4DC89B}" destId="{46F84F70-9597-4174-8D77-759535906429}" srcOrd="0" destOrd="0" presId="urn:microsoft.com/office/officeart/2008/layout/PictureStrips"/>
+    <dgm:cxn modelId="{B572936A-7A59-4D1E-8E57-F1D05695BAC7}" type="presOf" srcId="{CBCC21F5-552F-4D39-812E-6FCD4A366F58}" destId="{1CB0FC32-5534-43A4-8D7F-DF091A9313DE}" srcOrd="0" destOrd="1" presId="urn:microsoft.com/office/officeart/2008/layout/PictureStrips"/>
+    <dgm:cxn modelId="{79486E7A-5759-4546-9B0D-5BA206257826}" type="presOf" srcId="{A97FC57D-50D6-4D43-99C3-06D09820F122}" destId="{46F84F70-9597-4174-8D77-759535906429}" srcOrd="0" destOrd="4" presId="urn:microsoft.com/office/officeart/2008/layout/PictureStrips"/>
+    <dgm:cxn modelId="{8910F93B-7180-4A52-9856-879D102D33F8}" srcId="{6D0E5D9F-7263-4526-A227-51301233F549}" destId="{357008B7-F3FD-489F-A410-81C9A9EFE4DA}" srcOrd="1" destOrd="0" parTransId="{ED5EFE54-4C6D-4A88-939B-CE66C6668425}" sibTransId="{87BC108C-4915-4A4B-8565-E4BD28BA3C35}"/>
+    <dgm:cxn modelId="{97004F90-D1DB-4A84-A8AE-504DE1F07341}" srcId="{082E8A29-955A-4C7C-A174-3E9DCD4DC89B}" destId="{97AFB725-9839-43BA-B026-0DD6AA03AD9C}" srcOrd="1" destOrd="0" parTransId="{CC01022B-5039-457F-931E-79459E3C1DC4}" sibTransId="{D5C26250-A06D-4B41-BC14-92648809C21F}"/>
+    <dgm:cxn modelId="{17E73148-9C08-4999-B21E-F3C5A0E3FC0C}" srcId="{CF9055CF-8DEB-4A02-949A-DE72B6AC5D37}" destId="{B6E26FFC-9977-4BBC-BEC7-3D6B63754E52}" srcOrd="1" destOrd="0" parTransId="{5CEFBD89-2F4F-4B51-A98A-0F3C86494166}" sibTransId="{48634C00-2335-4923-9072-EB7482323D9C}"/>
+    <dgm:cxn modelId="{8859B461-D94E-4CD9-BD84-B6C92C6A01DD}" type="presOf" srcId="{6D0E5D9F-7263-4526-A227-51301233F549}" destId="{601F0FAA-D803-4994-BCBB-11C80DCD676E}" srcOrd="0" destOrd="0" presId="urn:microsoft.com/office/officeart/2008/layout/PictureStrips"/>
+    <dgm:cxn modelId="{4106F262-644B-473C-B7DA-A8F549E4F5CF}" type="presOf" srcId="{F3256203-D9D1-492A-B801-68C1A32486F0}" destId="{601F0FAA-D803-4994-BCBB-11C80DCD676E}" srcOrd="0" destOrd="1" presId="urn:microsoft.com/office/officeart/2008/layout/PictureStrips"/>
+    <dgm:cxn modelId="{1C5CE732-A00F-4C06-A1A8-B209BC6B496D}" srcId="{E5E95E82-EF79-43CA-AA86-43B0E1CBCD3F}" destId="{37A7C994-CC74-44DD-8777-ED6736B35821}" srcOrd="1" destOrd="0" parTransId="{03F017E7-7E3C-4E2C-9CEF-B07099F38801}" sibTransId="{118572A4-3B5E-487E-8015-6A319369077F}"/>
+    <dgm:cxn modelId="{0FE9616F-DB4A-4260-96D9-55B04AB5DBBF}" type="presOf" srcId="{357008B7-F3FD-489F-A410-81C9A9EFE4DA}" destId="{601F0FAA-D803-4994-BCBB-11C80DCD676E}" srcOrd="0" destOrd="2" presId="urn:microsoft.com/office/officeart/2008/layout/PictureStrips"/>
+    <dgm:cxn modelId="{C59561AF-B2B1-44DD-A3D6-83163DD17422}" type="presOf" srcId="{62831651-7C26-466C-BAA4-31EA8D14E47A}" destId="{1CB0FC32-5534-43A4-8D7F-DF091A9313DE}" srcOrd="0" destOrd="2" presId="urn:microsoft.com/office/officeart/2008/layout/PictureStrips"/>
+    <dgm:cxn modelId="{3C41F2E0-4620-40B4-9857-68872B278EFB}" srcId="{B6E26FFC-9977-4BBC-BEC7-3D6B63754E52}" destId="{CBCC21F5-552F-4D39-812E-6FCD4A366F58}" srcOrd="0" destOrd="0" parTransId="{4A973A1C-85F1-4969-A536-D29940229E2C}" sibTransId="{3640B940-6901-481F-ADF7-6B77DEEED764}"/>
+    <dgm:cxn modelId="{1BBF9FE2-87CA-4724-9396-0D1E1F6FF7E5}" type="presOf" srcId="{A81358E0-3DE7-41AD-A28C-ABB22548B1F6}" destId="{E636D6A4-0E84-4D06-A464-81AE1497D613}" srcOrd="0" destOrd="1" presId="urn:microsoft.com/office/officeart/2008/layout/PictureStrips"/>
+    <dgm:cxn modelId="{711B4064-ACDC-418C-82C2-927662CD1123}" type="presOf" srcId="{97AFB725-9839-43BA-B026-0DD6AA03AD9C}" destId="{46F84F70-9597-4174-8D77-759535906429}" srcOrd="0" destOrd="2" presId="urn:microsoft.com/office/officeart/2008/layout/PictureStrips"/>
     <dgm:cxn modelId="{59DDA576-1BA9-49E8-9D1D-361FF667A19A}" srcId="{B6E26FFC-9977-4BBC-BEC7-3D6B63754E52}" destId="{62831651-7C26-466C-BAA4-31EA8D14E47A}" srcOrd="1" destOrd="0" parTransId="{0F3EB6E4-07A5-4199-9C2F-8B91F53579FE}" sibTransId="{0D19FA60-5F9C-420B-AD2F-A0656A7F0783}"/>
-    <dgm:cxn modelId="{3C41F2E0-4620-40B4-9857-68872B278EFB}" srcId="{B6E26FFC-9977-4BBC-BEC7-3D6B63754E52}" destId="{CBCC21F5-552F-4D39-812E-6FCD4A366F58}" srcOrd="0" destOrd="0" parTransId="{4A973A1C-85F1-4969-A536-D29940229E2C}" sibTransId="{3640B940-6901-481F-ADF7-6B77DEEED764}"/>
+    <dgm:cxn modelId="{E55110F7-7FC0-4E87-AF31-EF72F0865F36}" type="presOf" srcId="{B86124A4-14C7-49C7-A342-9B2C2B94980B}" destId="{46F84F70-9597-4174-8D77-759535906429}" srcOrd="0" destOrd="3" presId="urn:microsoft.com/office/officeart/2008/layout/PictureStrips"/>
+    <dgm:cxn modelId="{FB8541C0-3895-4553-A4C7-34B81A3C4A0B}" srcId="{E5E95E82-EF79-43CA-AA86-43B0E1CBCD3F}" destId="{A81358E0-3DE7-41AD-A28C-ABB22548B1F6}" srcOrd="0" destOrd="0" parTransId="{262E0B94-6EA9-4797-B705-959D7B185F91}" sibTransId="{77756FBB-BF6C-4D78-803E-BCC851F1DA03}"/>
     <dgm:cxn modelId="{7258B3F7-A2F2-4CEA-94C8-A00FD3592159}" type="presOf" srcId="{CF9055CF-8DEB-4A02-949A-DE72B6AC5D37}" destId="{D299CFF5-E64D-44F6-8B8F-82C82E0F6CC7}" srcOrd="0" destOrd="0" presId="urn:microsoft.com/office/officeart/2008/layout/PictureStrips"/>
     <dgm:cxn modelId="{A76240AD-13F6-40C0-BD9B-102D5EC0AE51}" srcId="{CF9055CF-8DEB-4A02-949A-DE72B6AC5D37}" destId="{E5E95E82-EF79-43CA-AA86-43B0E1CBCD3F}" srcOrd="3" destOrd="0" parTransId="{FD76A3AE-1B6C-45A0-8E84-63160283749F}" sibTransId="{BF76010C-5523-4E13-B3E7-886DCE6AEBD4}"/>
-    <dgm:cxn modelId="{8910F93B-7180-4A52-9856-879D102D33F8}" srcId="{6D0E5D9F-7263-4526-A227-51301233F549}" destId="{357008B7-F3FD-489F-A410-81C9A9EFE4DA}" srcOrd="1" destOrd="0" parTransId="{ED5EFE54-4C6D-4A88-939B-CE66C6668425}" sibTransId="{87BC108C-4915-4A4B-8565-E4BD28BA3C35}"/>
-    <dgm:cxn modelId="{D286A548-6BB0-4DED-9FB5-D87042DDBE0A}" srcId="{082E8A29-955A-4C7C-A174-3E9DCD4DC89B}" destId="{A97FC57D-50D6-4D43-99C3-06D09820F122}" srcOrd="3" destOrd="0" parTransId="{5DD877C7-E4D9-4A68-A305-5A7689D3DBE7}" sibTransId="{C17BCABE-BEF2-4CC4-B037-B6B4866665CD}"/>
-    <dgm:cxn modelId="{79486E7A-5759-4546-9B0D-5BA206257826}" type="presOf" srcId="{A97FC57D-50D6-4D43-99C3-06D09820F122}" destId="{46F84F70-9597-4174-8D77-759535906429}" srcOrd="0" destOrd="4" presId="urn:microsoft.com/office/officeart/2008/layout/PictureStrips"/>
+    <dgm:cxn modelId="{C8C462C6-33A3-4E8B-91FE-36DBE92F1C4A}" srcId="{CF9055CF-8DEB-4A02-949A-DE72B6AC5D37}" destId="{6D0E5D9F-7263-4526-A227-51301233F549}" srcOrd="2" destOrd="0" parTransId="{23416D07-25F8-426C-BC65-639E6BCF4D6D}" sibTransId="{DE289E29-1989-4D8E-8AA6-F030105B3F13}"/>
     <dgm:cxn modelId="{2986897A-7787-444F-B6C8-41F3823EF3C1}" srcId="{CF9055CF-8DEB-4A02-949A-DE72B6AC5D37}" destId="{082E8A29-955A-4C7C-A174-3E9DCD4DC89B}" srcOrd="0" destOrd="0" parTransId="{BA7938E6-8DFA-40B7-B4C4-EACC6D85FC31}" sibTransId="{C2176686-D23E-48EB-9D1B-1A1B46236638}"/>
-    <dgm:cxn modelId="{0FE9616F-DB4A-4260-96D9-55B04AB5DBBF}" type="presOf" srcId="{357008B7-F3FD-489F-A410-81C9A9EFE4DA}" destId="{601F0FAA-D803-4994-BCBB-11C80DCD676E}" srcOrd="0" destOrd="2" presId="urn:microsoft.com/office/officeart/2008/layout/PictureStrips"/>
+    <dgm:cxn modelId="{67A03D8F-F327-4A9F-ABBC-1EB67EFD1ECB}" srcId="{082E8A29-955A-4C7C-A174-3E9DCD4DC89B}" destId="{23A0DE4A-FE92-496E-B335-3433CEFB74E9}" srcOrd="0" destOrd="0" parTransId="{68935D38-FEDC-4CD3-8002-43CB3944BEAF}" sibTransId="{55DF926D-029A-4E18-95C4-77A5A37CAE40}"/>
     <dgm:cxn modelId="{F89EA6DF-D106-435E-9337-D23286A767A6}" srcId="{B6E26FFC-9977-4BBC-BEC7-3D6B63754E52}" destId="{44B2544A-D122-4B95-A36C-B03D9E272B48}" srcOrd="2" destOrd="0" parTransId="{9EE40E78-C1B8-4A87-A668-53AD816CED24}" sibTransId="{F32DECE0-DC7F-4DCF-A10D-96A117A49197}"/>
-    <dgm:cxn modelId="{711B4064-ACDC-418C-82C2-927662CD1123}" type="presOf" srcId="{97AFB725-9839-43BA-B026-0DD6AA03AD9C}" destId="{46F84F70-9597-4174-8D77-759535906429}" srcOrd="0" destOrd="2" presId="urn:microsoft.com/office/officeart/2008/layout/PictureStrips"/>
-    <dgm:cxn modelId="{1C5CE732-A00F-4C06-A1A8-B209BC6B496D}" srcId="{E5E95E82-EF79-43CA-AA86-43B0E1CBCD3F}" destId="{37A7C994-CC74-44DD-8777-ED6736B35821}" srcOrd="1" destOrd="0" parTransId="{03F017E7-7E3C-4E2C-9CEF-B07099F38801}" sibTransId="{118572A4-3B5E-487E-8015-6A319369077F}"/>
-    <dgm:cxn modelId="{17E73148-9C08-4999-B21E-F3C5A0E3FC0C}" srcId="{CF9055CF-8DEB-4A02-949A-DE72B6AC5D37}" destId="{B6E26FFC-9977-4BBC-BEC7-3D6B63754E52}" srcOrd="1" destOrd="0" parTransId="{5CEFBD89-2F4F-4B51-A98A-0F3C86494166}" sibTransId="{48634C00-2335-4923-9072-EB7482323D9C}"/>
-    <dgm:cxn modelId="{E3BB1A4D-138B-4C9F-92EF-202E33053E8D}" type="presOf" srcId="{082E8A29-955A-4C7C-A174-3E9DCD4DC89B}" destId="{46F84F70-9597-4174-8D77-759535906429}" srcOrd="0" destOrd="0" presId="urn:microsoft.com/office/officeart/2008/layout/PictureStrips"/>
+    <dgm:cxn modelId="{508A9F6A-C4F1-4147-A5F6-B89293B446E8}" srcId="{082E8A29-955A-4C7C-A174-3E9DCD4DC89B}" destId="{B86124A4-14C7-49C7-A342-9B2C2B94980B}" srcOrd="2" destOrd="0" parTransId="{B2F6F8FA-C3EE-485C-BFEC-A81570DC47D8}" sibTransId="{1114C752-8188-4E63-BFFC-E4081ACE9882}"/>
+    <dgm:cxn modelId="{1B8E71B0-2D3A-4AB0-8843-CFDACEDC3198}" srcId="{6D0E5D9F-7263-4526-A227-51301233F549}" destId="{F3256203-D9D1-492A-B801-68C1A32486F0}" srcOrd="0" destOrd="0" parTransId="{E9A20291-2E30-4C14-BB7D-DC095A20ECB6}" sibTransId="{6C9440D0-8847-40C0-98BC-2B5EA5745C3A}"/>
+    <dgm:cxn modelId="{756EEE73-EB15-49D3-B7A5-762D53EC296F}" type="presOf" srcId="{44B2544A-D122-4B95-A36C-B03D9E272B48}" destId="{1CB0FC32-5534-43A4-8D7F-DF091A9313DE}" srcOrd="0" destOrd="3" presId="urn:microsoft.com/office/officeart/2008/layout/PictureStrips"/>
     <dgm:cxn modelId="{872A9722-75A9-4483-820B-8E33A9C310CA}" type="presOf" srcId="{E5E95E82-EF79-43CA-AA86-43B0E1CBCD3F}" destId="{E636D6A4-0E84-4D06-A464-81AE1497D613}" srcOrd="0" destOrd="0" presId="urn:microsoft.com/office/officeart/2008/layout/PictureStrips"/>
-    <dgm:cxn modelId="{E55110F7-7FC0-4E87-AF31-EF72F0865F36}" type="presOf" srcId="{B86124A4-14C7-49C7-A342-9B2C2B94980B}" destId="{46F84F70-9597-4174-8D77-759535906429}" srcOrd="0" destOrd="3" presId="urn:microsoft.com/office/officeart/2008/layout/PictureStrips"/>
-    <dgm:cxn modelId="{1BBF9FE2-87CA-4724-9396-0D1E1F6FF7E5}" type="presOf" srcId="{A81358E0-3DE7-41AD-A28C-ABB22548B1F6}" destId="{E636D6A4-0E84-4D06-A464-81AE1497D613}" srcOrd="0" destOrd="1" presId="urn:microsoft.com/office/officeart/2008/layout/PictureStrips"/>
-    <dgm:cxn modelId="{8859B461-D94E-4CD9-BD84-B6C92C6A01DD}" type="presOf" srcId="{6D0E5D9F-7263-4526-A227-51301233F549}" destId="{601F0FAA-D803-4994-BCBB-11C80DCD676E}" srcOrd="0" destOrd="0" presId="urn:microsoft.com/office/officeart/2008/layout/PictureStrips"/>
-    <dgm:cxn modelId="{508A9F6A-C4F1-4147-A5F6-B89293B446E8}" srcId="{082E8A29-955A-4C7C-A174-3E9DCD4DC89B}" destId="{B86124A4-14C7-49C7-A342-9B2C2B94980B}" srcOrd="2" destOrd="0" parTransId="{B2F6F8FA-C3EE-485C-BFEC-A81570DC47D8}" sibTransId="{1114C752-8188-4E63-BFFC-E4081ACE9882}"/>
-    <dgm:cxn modelId="{97004F90-D1DB-4A84-A8AE-504DE1F07341}" srcId="{082E8A29-955A-4C7C-A174-3E9DCD4DC89B}" destId="{97AFB725-9839-43BA-B026-0DD6AA03AD9C}" srcOrd="1" destOrd="0" parTransId="{CC01022B-5039-457F-931E-79459E3C1DC4}" sibTransId="{D5C26250-A06D-4B41-BC14-92648809C21F}"/>
-    <dgm:cxn modelId="{DC4A0484-EB8E-47B0-A699-34C3B4DBD7E0}" type="presOf" srcId="{37A7C994-CC74-44DD-8777-ED6736B35821}" destId="{E636D6A4-0E84-4D06-A464-81AE1497D613}" srcOrd="0" destOrd="2" presId="urn:microsoft.com/office/officeart/2008/layout/PictureStrips"/>
-    <dgm:cxn modelId="{756EEE73-EB15-49D3-B7A5-762D53EC296F}" type="presOf" srcId="{44B2544A-D122-4B95-A36C-B03D9E272B48}" destId="{1CB0FC32-5534-43A4-8D7F-DF091A9313DE}" srcOrd="0" destOrd="3" presId="urn:microsoft.com/office/officeart/2008/layout/PictureStrips"/>
-    <dgm:cxn modelId="{8B7AE64B-4299-4D56-A477-1A7951839AE0}" type="presOf" srcId="{23A0DE4A-FE92-496E-B335-3433CEFB74E9}" destId="{46F84F70-9597-4174-8D77-759535906429}" srcOrd="0" destOrd="1" presId="urn:microsoft.com/office/officeart/2008/layout/PictureStrips"/>
-    <dgm:cxn modelId="{90FA6B0C-9C3A-4D96-AA56-877D0A3EE6CD}" type="presOf" srcId="{B6E26FFC-9977-4BBC-BEC7-3D6B63754E52}" destId="{1CB0FC32-5534-43A4-8D7F-DF091A9313DE}" srcOrd="0" destOrd="0" presId="urn:microsoft.com/office/officeart/2008/layout/PictureStrips"/>
-    <dgm:cxn modelId="{FB8541C0-3895-4553-A4C7-34B81A3C4A0B}" srcId="{E5E95E82-EF79-43CA-AA86-43B0E1CBCD3F}" destId="{A81358E0-3DE7-41AD-A28C-ABB22548B1F6}" srcOrd="0" destOrd="0" parTransId="{262E0B94-6EA9-4797-B705-959D7B185F91}" sibTransId="{77756FBB-BF6C-4D78-803E-BCC851F1DA03}"/>
-    <dgm:cxn modelId="{C59561AF-B2B1-44DD-A3D6-83163DD17422}" type="presOf" srcId="{62831651-7C26-466C-BAA4-31EA8D14E47A}" destId="{1CB0FC32-5534-43A4-8D7F-DF091A9313DE}" srcOrd="0" destOrd="2" presId="urn:microsoft.com/office/officeart/2008/layout/PictureStrips"/>
-    <dgm:cxn modelId="{B572936A-7A59-4D1E-8E57-F1D05695BAC7}" type="presOf" srcId="{CBCC21F5-552F-4D39-812E-6FCD4A366F58}" destId="{1CB0FC32-5534-43A4-8D7F-DF091A9313DE}" srcOrd="0" destOrd="1" presId="urn:microsoft.com/office/officeart/2008/layout/PictureStrips"/>
-    <dgm:cxn modelId="{4106F262-644B-473C-B7DA-A8F549E4F5CF}" type="presOf" srcId="{F3256203-D9D1-492A-B801-68C1A32486F0}" destId="{601F0FAA-D803-4994-BCBB-11C80DCD676E}" srcOrd="0" destOrd="1" presId="urn:microsoft.com/office/officeart/2008/layout/PictureStrips"/>
-    <dgm:cxn modelId="{67A03D8F-F327-4A9F-ABBC-1EB67EFD1ECB}" srcId="{082E8A29-955A-4C7C-A174-3E9DCD4DC89B}" destId="{23A0DE4A-FE92-496E-B335-3433CEFB74E9}" srcOrd="0" destOrd="0" parTransId="{68935D38-FEDC-4CD3-8002-43CB3944BEAF}" sibTransId="{55DF926D-029A-4E18-95C4-77A5A37CAE40}"/>
     <dgm:cxn modelId="{4574AB5F-FD38-4083-9928-AC46E4731D7C}" type="presParOf" srcId="{D299CFF5-E64D-44F6-8B8F-82C82E0F6CC7}" destId="{053AA96B-76C3-49B4-A63C-62CF42BB0FEE}" srcOrd="0" destOrd="0" presId="urn:microsoft.com/office/officeart/2008/layout/PictureStrips"/>
     <dgm:cxn modelId="{FBE6AEF3-81A4-46B4-A0F9-DB5666688AF9}" type="presParOf" srcId="{053AA96B-76C3-49B4-A63C-62CF42BB0FEE}" destId="{46F84F70-9597-4174-8D77-759535906429}" srcOrd="0" destOrd="0" presId="urn:microsoft.com/office/officeart/2008/layout/PictureStrips"/>
     <dgm:cxn modelId="{51DE676C-D68F-49F1-985F-E9C8F4643FBC}" type="presParOf" srcId="{053AA96B-76C3-49B4-A63C-62CF42BB0FEE}" destId="{7DF0CFF7-FA5C-4BB7-BF5F-A632F55B0A8F}" srcOrd="1" destOrd="0" presId="urn:microsoft.com/office/officeart/2008/layout/PictureStrips"/>
@@ -5387,15 +5453,19 @@
         <a:prstGeom prst="rect">
           <a:avLst/>
         </a:prstGeom>
-        <a:solidFill>
-          <a:schemeClr val="accent1">
-            <a:tint val="40000"/>
-            <a:hueOff val="0"/>
-            <a:satOff val="0"/>
-            <a:lumOff val="0"/>
-            <a:alphaOff val="0"/>
-          </a:schemeClr>
-        </a:solidFill>
+        <a:blipFill>
+          <a:blip xmlns:r="http://schemas.openxmlformats.org/officeDocument/2006/relationships" r:embed="rId1" cstate="print">
+            <a:extLst>
+              <a:ext uri="{28A0092B-C50C-407E-A947-70E740481C1C}">
+                <a14:useLocalDpi xmlns:a14="http://schemas.microsoft.com/office/drawing/2010/main" val="0"/>
+              </a:ext>
+            </a:extLst>
+          </a:blip>
+          <a:srcRect/>
+          <a:stretch>
+            <a:fillRect l="-25000" r="-25000"/>
+          </a:stretch>
+        </a:blipFill>
         <a:ln>
           <a:noFill/>
         </a:ln>
@@ -5656,15 +5726,28 @@
         <a:prstGeom prst="rect">
           <a:avLst/>
         </a:prstGeom>
-        <a:solidFill>
-          <a:schemeClr val="accent1">
-            <a:tint val="40000"/>
-            <a:hueOff val="0"/>
-            <a:satOff val="0"/>
-            <a:lumOff val="0"/>
-            <a:alphaOff val="0"/>
-          </a:schemeClr>
-        </a:solidFill>
+        <a:blipFill>
+          <a:blip xmlns:r="http://schemas.openxmlformats.org/officeDocument/2006/relationships" r:embed="rId2" cstate="print">
+            <a:extLst>
+              <a:ext uri="{BEBA8EAE-BF5A-486C-A8C5-ECC9F3942E4B}">
+                <a14:imgProps xmlns:a14="http://schemas.microsoft.com/office/drawing/2010/main">
+                  <a14:imgLayer r:embed="rId3">
+                    <a14:imgEffect>
+                      <a14:backgroundRemoval t="0" b="100000" l="0" r="100000"/>
+                    </a14:imgEffect>
+                  </a14:imgLayer>
+                </a14:imgProps>
+              </a:ext>
+              <a:ext uri="{28A0092B-C50C-407E-A947-70E740481C1C}">
+                <a14:useLocalDpi xmlns:a14="http://schemas.microsoft.com/office/drawing/2010/main" val="0"/>
+              </a:ext>
+            </a:extLst>
+          </a:blip>
+          <a:srcRect/>
+          <a:stretch>
+            <a:fillRect l="-25000" r="-25000"/>
+          </a:stretch>
+        </a:blipFill>
         <a:ln>
           <a:noFill/>
         </a:ln>
@@ -5866,15 +5949,42 @@
         <a:prstGeom prst="rect">
           <a:avLst/>
         </a:prstGeom>
-        <a:solidFill>
-          <a:schemeClr val="accent1">
-            <a:tint val="40000"/>
-            <a:hueOff val="0"/>
-            <a:satOff val="0"/>
-            <a:lumOff val="0"/>
-            <a:alphaOff val="0"/>
-          </a:schemeClr>
-        </a:solidFill>
+        <a:blipFill>
+          <a:blip xmlns:r="http://schemas.openxmlformats.org/officeDocument/2006/relationships" r:embed="rId4" cstate="print">
+            <a:extLst>
+              <a:ext uri="{BEBA8EAE-BF5A-486C-A8C5-ECC9F3942E4B}">
+                <a14:imgProps xmlns:a14="http://schemas.microsoft.com/office/drawing/2010/main">
+                  <a14:imgLayer r:embed="rId5">
+                    <a14:imgEffect>
+                      <a14:backgroundRemoval t="2130" b="90000" l="3300" r="100000">
+                        <a14:foregroundMark x1="28100" y1="17500" x2="28100" y2="17500"/>
+                        <a14:foregroundMark x1="39100" y1="14259" x2="39100" y2="14259"/>
+                        <a14:foregroundMark x1="49400" y1="10648" x2="49400" y2="10648"/>
+                        <a14:foregroundMark x1="60300" y1="13796" x2="60300" y2="13796"/>
+                        <a14:foregroundMark x1="72600" y1="17870" x2="72600" y2="17870"/>
+                        <a14:foregroundMark x1="75900" y1="28333" x2="75900" y2="28333"/>
+                        <a14:foregroundMark x1="83400" y1="38611" x2="83400" y2="38611"/>
+                        <a14:foregroundMark x1="76200" y1="48333" x2="76200" y2="48333"/>
+                        <a14:foregroundMark x1="72600" y1="59167" x2="72600" y2="59167"/>
+                        <a14:foregroundMark x1="28500" y1="58889" x2="28500" y2="58889"/>
+                        <a14:foregroundMark x1="23500" y1="49167" x2="23500" y2="49167"/>
+                        <a14:foregroundMark x1="17400" y1="38611" x2="17400" y2="38611"/>
+                        <a14:foregroundMark x1="22900" y1="28889" x2="22900" y2="28889"/>
+                      </a14:backgroundRemoval>
+                    </a14:imgEffect>
+                  </a14:imgLayer>
+                </a14:imgProps>
+              </a:ext>
+              <a:ext uri="{28A0092B-C50C-407E-A947-70E740481C1C}">
+                <a14:useLocalDpi xmlns:a14="http://schemas.microsoft.com/office/drawing/2010/main" val="0"/>
+              </a:ext>
+            </a:extLst>
+          </a:blip>
+          <a:srcRect/>
+          <a:stretch>
+            <a:fillRect l="-19000" r="-19000"/>
+          </a:stretch>
+        </a:blipFill>
         <a:ln>
           <a:noFill/>
         </a:ln>
@@ -9675,7 +9785,7 @@
             <a:pPr rtl="0"/>
             <a:fld id="{3CC097E2-C1A8-45B5-8DD2-EA6696F7EE1C}" type="datetime1">
               <a:rPr lang="it-IT" smtClean="0"/>
-              <a:t>07/04/2022</a:t>
+              <a:t>10/04/2022</a:t>
             </a:fld>
             <a:endParaRPr lang="it-IT" dirty="0"/>
           </a:p>
@@ -9845,7 +9955,7 @@
             <a:fld id="{7F9C49DA-EF53-46E1-8D2F-E5AD170D68F7}" type="datetime1">
               <a:rPr lang="it-IT" smtClean="0"/>
               <a:pPr/>
-              <a:t>07/04/2022</a:t>
+              <a:t>10/04/2022</a:t>
             </a:fld>
             <a:endParaRPr lang="it-IT" dirty="0"/>
           </a:p>
@@ -10202,176 +10312,6 @@
 </p:notes>
 </file>
 
-<file path=ppt/notesSlides/notesSlide10.xml><?xml version="1.0" encoding="utf-8"?>
-<p:notes xmlns:a="http://schemas.openxmlformats.org/drawingml/2006/main" xmlns:r="http://schemas.openxmlformats.org/officeDocument/2006/relationships" xmlns:p="http://schemas.openxmlformats.org/presentationml/2006/main">
-  <p:cSld>
-    <p:spTree>
-      <p:nvGrpSpPr>
-        <p:cNvPr id="1" name=""/>
-        <p:cNvGrpSpPr/>
-        <p:nvPr/>
-      </p:nvGrpSpPr>
-      <p:grpSpPr>
-        <a:xfrm>
-          <a:off x="0" y="0"/>
-          <a:ext cx="0" cy="0"/>
-          <a:chOff x="0" y="0"/>
-          <a:chExt cx="0" cy="0"/>
-        </a:xfrm>
-      </p:grpSpPr>
-      <p:sp>
-        <p:nvSpPr>
-          <p:cNvPr id="2" name="Segnaposto immagine diapositiva 1"/>
-          <p:cNvSpPr>
-            <a:spLocks noGrp="1" noRot="1" noChangeAspect="1"/>
-          </p:cNvSpPr>
-          <p:nvPr>
-            <p:ph type="sldImg"/>
-          </p:nvPr>
-        </p:nvSpPr>
-        <p:spPr/>
-      </p:sp>
-      <p:sp>
-        <p:nvSpPr>
-          <p:cNvPr id="3" name="Segnaposto note 2"/>
-          <p:cNvSpPr>
-            <a:spLocks noGrp="1"/>
-          </p:cNvSpPr>
-          <p:nvPr>
-            <p:ph type="body" idx="1"/>
-          </p:nvPr>
-        </p:nvSpPr>
-        <p:spPr/>
-        <p:txBody>
-          <a:bodyPr/>
-          <a:lstStyle/>
-          <a:p>
-            <a:endParaRPr lang="it-IT" dirty="0"/>
-          </a:p>
-        </p:txBody>
-      </p:sp>
-      <p:sp>
-        <p:nvSpPr>
-          <p:cNvPr id="4" name="Segnaposto numero diapositiva 3"/>
-          <p:cNvSpPr>
-            <a:spLocks noGrp="1"/>
-          </p:cNvSpPr>
-          <p:nvPr>
-            <p:ph type="sldNum" sz="quarter" idx="10"/>
-          </p:nvPr>
-        </p:nvSpPr>
-        <p:spPr/>
-        <p:txBody>
-          <a:bodyPr/>
-          <a:lstStyle/>
-          <a:p>
-            <a:pPr rtl="0"/>
-            <a:fld id="{DED491D0-8E1B-49C7-849B-A28568D94497}" type="slidenum">
-              <a:rPr lang="it-IT" smtClean="0"/>
-              <a:t>10</a:t>
-            </a:fld>
-            <a:endParaRPr lang="it-IT" dirty="0"/>
-          </a:p>
-        </p:txBody>
-      </p:sp>
-    </p:spTree>
-    <p:extLst>
-      <p:ext uri="{BB962C8B-B14F-4D97-AF65-F5344CB8AC3E}">
-        <p14:creationId xmlns:p14="http://schemas.microsoft.com/office/powerpoint/2010/main" val="37397495"/>
-      </p:ext>
-    </p:extLst>
-  </p:cSld>
-  <p:clrMapOvr>
-    <a:masterClrMapping/>
-  </p:clrMapOvr>
-</p:notes>
-</file>
-
-<file path=ppt/notesSlides/notesSlide11.xml><?xml version="1.0" encoding="utf-8"?>
-<p:notes xmlns:a="http://schemas.openxmlformats.org/drawingml/2006/main" xmlns:r="http://schemas.openxmlformats.org/officeDocument/2006/relationships" xmlns:p="http://schemas.openxmlformats.org/presentationml/2006/main">
-  <p:cSld>
-    <p:spTree>
-      <p:nvGrpSpPr>
-        <p:cNvPr id="1" name=""/>
-        <p:cNvGrpSpPr/>
-        <p:nvPr/>
-      </p:nvGrpSpPr>
-      <p:grpSpPr>
-        <a:xfrm>
-          <a:off x="0" y="0"/>
-          <a:ext cx="0" cy="0"/>
-          <a:chOff x="0" y="0"/>
-          <a:chExt cx="0" cy="0"/>
-        </a:xfrm>
-      </p:grpSpPr>
-      <p:sp>
-        <p:nvSpPr>
-          <p:cNvPr id="2" name="Segnaposto immagine diapositiva 1"/>
-          <p:cNvSpPr>
-            <a:spLocks noGrp="1" noRot="1" noChangeAspect="1"/>
-          </p:cNvSpPr>
-          <p:nvPr>
-            <p:ph type="sldImg"/>
-          </p:nvPr>
-        </p:nvSpPr>
-        <p:spPr/>
-      </p:sp>
-      <p:sp>
-        <p:nvSpPr>
-          <p:cNvPr id="3" name="Segnaposto note 2"/>
-          <p:cNvSpPr>
-            <a:spLocks noGrp="1"/>
-          </p:cNvSpPr>
-          <p:nvPr>
-            <p:ph type="body" idx="1"/>
-          </p:nvPr>
-        </p:nvSpPr>
-        <p:spPr/>
-        <p:txBody>
-          <a:bodyPr/>
-          <a:lstStyle/>
-          <a:p>
-            <a:endParaRPr lang="it-IT" dirty="0"/>
-          </a:p>
-        </p:txBody>
-      </p:sp>
-      <p:sp>
-        <p:nvSpPr>
-          <p:cNvPr id="4" name="Segnaposto numero diapositiva 3"/>
-          <p:cNvSpPr>
-            <a:spLocks noGrp="1"/>
-          </p:cNvSpPr>
-          <p:nvPr>
-            <p:ph type="sldNum" sz="quarter" idx="10"/>
-          </p:nvPr>
-        </p:nvSpPr>
-        <p:spPr/>
-        <p:txBody>
-          <a:bodyPr/>
-          <a:lstStyle/>
-          <a:p>
-            <a:pPr rtl="0"/>
-            <a:fld id="{DED491D0-8E1B-49C7-849B-A28568D94497}" type="slidenum">
-              <a:rPr lang="it-IT" smtClean="0"/>
-              <a:t>11</a:t>
-            </a:fld>
-            <a:endParaRPr lang="it-IT" dirty="0"/>
-          </a:p>
-        </p:txBody>
-      </p:sp>
-    </p:spTree>
-    <p:extLst>
-      <p:ext uri="{BB962C8B-B14F-4D97-AF65-F5344CB8AC3E}">
-        <p14:creationId xmlns:p14="http://schemas.microsoft.com/office/powerpoint/2010/main" val="1053598848"/>
-      </p:ext>
-    </p:extLst>
-  </p:cSld>
-  <p:clrMapOvr>
-    <a:masterClrMapping/>
-  </p:clrMapOvr>
-</p:notes>
-</file>
-
 <file path=ppt/notesSlides/notesSlide2.xml><?xml version="1.0" encoding="utf-8"?>
 <p:notes xmlns:a="http://schemas.openxmlformats.org/drawingml/2006/main" xmlns:r="http://schemas.openxmlformats.org/officeDocument/2006/relationships" xmlns:p="http://schemas.openxmlformats.org/presentationml/2006/main">
   <p:cSld>
@@ -10712,346 +10652,6 @@
 </p:notes>
 </file>
 
-<file path=ppt/notesSlides/notesSlide6.xml><?xml version="1.0" encoding="utf-8"?>
-<p:notes xmlns:a="http://schemas.openxmlformats.org/drawingml/2006/main" xmlns:r="http://schemas.openxmlformats.org/officeDocument/2006/relationships" xmlns:p="http://schemas.openxmlformats.org/presentationml/2006/main">
-  <p:cSld>
-    <p:spTree>
-      <p:nvGrpSpPr>
-        <p:cNvPr id="1" name=""/>
-        <p:cNvGrpSpPr/>
-        <p:nvPr/>
-      </p:nvGrpSpPr>
-      <p:grpSpPr>
-        <a:xfrm>
-          <a:off x="0" y="0"/>
-          <a:ext cx="0" cy="0"/>
-          <a:chOff x="0" y="0"/>
-          <a:chExt cx="0" cy="0"/>
-        </a:xfrm>
-      </p:grpSpPr>
-      <p:sp>
-        <p:nvSpPr>
-          <p:cNvPr id="2" name="Segnaposto immagine diapositiva 1"/>
-          <p:cNvSpPr>
-            <a:spLocks noGrp="1" noRot="1" noChangeAspect="1"/>
-          </p:cNvSpPr>
-          <p:nvPr>
-            <p:ph type="sldImg"/>
-          </p:nvPr>
-        </p:nvSpPr>
-        <p:spPr/>
-      </p:sp>
-      <p:sp>
-        <p:nvSpPr>
-          <p:cNvPr id="3" name="Segnaposto note 2"/>
-          <p:cNvSpPr>
-            <a:spLocks noGrp="1"/>
-          </p:cNvSpPr>
-          <p:nvPr>
-            <p:ph type="body" idx="1"/>
-          </p:nvPr>
-        </p:nvSpPr>
-        <p:spPr/>
-        <p:txBody>
-          <a:bodyPr/>
-          <a:lstStyle/>
-          <a:p>
-            <a:endParaRPr lang="it-IT" dirty="0"/>
-          </a:p>
-        </p:txBody>
-      </p:sp>
-      <p:sp>
-        <p:nvSpPr>
-          <p:cNvPr id="4" name="Segnaposto numero diapositiva 3"/>
-          <p:cNvSpPr>
-            <a:spLocks noGrp="1"/>
-          </p:cNvSpPr>
-          <p:nvPr>
-            <p:ph type="sldNum" sz="quarter" idx="10"/>
-          </p:nvPr>
-        </p:nvSpPr>
-        <p:spPr/>
-        <p:txBody>
-          <a:bodyPr/>
-          <a:lstStyle/>
-          <a:p>
-            <a:pPr rtl="0"/>
-            <a:fld id="{DED491D0-8E1B-49C7-849B-A28568D94497}" type="slidenum">
-              <a:rPr lang="it-IT" smtClean="0"/>
-              <a:t>6</a:t>
-            </a:fld>
-            <a:endParaRPr lang="it-IT" dirty="0"/>
-          </a:p>
-        </p:txBody>
-      </p:sp>
-    </p:spTree>
-    <p:extLst>
-      <p:ext uri="{BB962C8B-B14F-4D97-AF65-F5344CB8AC3E}">
-        <p14:creationId xmlns:p14="http://schemas.microsoft.com/office/powerpoint/2010/main" val="307482207"/>
-      </p:ext>
-    </p:extLst>
-  </p:cSld>
-  <p:clrMapOvr>
-    <a:masterClrMapping/>
-  </p:clrMapOvr>
-</p:notes>
-</file>
-
-<file path=ppt/notesSlides/notesSlide7.xml><?xml version="1.0" encoding="utf-8"?>
-<p:notes xmlns:a="http://schemas.openxmlformats.org/drawingml/2006/main" xmlns:r="http://schemas.openxmlformats.org/officeDocument/2006/relationships" xmlns:p="http://schemas.openxmlformats.org/presentationml/2006/main">
-  <p:cSld>
-    <p:spTree>
-      <p:nvGrpSpPr>
-        <p:cNvPr id="1" name=""/>
-        <p:cNvGrpSpPr/>
-        <p:nvPr/>
-      </p:nvGrpSpPr>
-      <p:grpSpPr>
-        <a:xfrm>
-          <a:off x="0" y="0"/>
-          <a:ext cx="0" cy="0"/>
-          <a:chOff x="0" y="0"/>
-          <a:chExt cx="0" cy="0"/>
-        </a:xfrm>
-      </p:grpSpPr>
-      <p:sp>
-        <p:nvSpPr>
-          <p:cNvPr id="2" name="Segnaposto immagine diapositiva 1"/>
-          <p:cNvSpPr>
-            <a:spLocks noGrp="1" noRot="1" noChangeAspect="1"/>
-          </p:cNvSpPr>
-          <p:nvPr>
-            <p:ph type="sldImg"/>
-          </p:nvPr>
-        </p:nvSpPr>
-        <p:spPr/>
-      </p:sp>
-      <p:sp>
-        <p:nvSpPr>
-          <p:cNvPr id="3" name="Segnaposto note 2"/>
-          <p:cNvSpPr>
-            <a:spLocks noGrp="1"/>
-          </p:cNvSpPr>
-          <p:nvPr>
-            <p:ph type="body" idx="1"/>
-          </p:nvPr>
-        </p:nvSpPr>
-        <p:spPr/>
-        <p:txBody>
-          <a:bodyPr/>
-          <a:lstStyle/>
-          <a:p>
-            <a:endParaRPr lang="it-IT" dirty="0"/>
-          </a:p>
-        </p:txBody>
-      </p:sp>
-      <p:sp>
-        <p:nvSpPr>
-          <p:cNvPr id="4" name="Segnaposto numero diapositiva 3"/>
-          <p:cNvSpPr>
-            <a:spLocks noGrp="1"/>
-          </p:cNvSpPr>
-          <p:nvPr>
-            <p:ph type="sldNum" sz="quarter" idx="10"/>
-          </p:nvPr>
-        </p:nvSpPr>
-        <p:spPr/>
-        <p:txBody>
-          <a:bodyPr/>
-          <a:lstStyle/>
-          <a:p>
-            <a:pPr rtl="0"/>
-            <a:fld id="{DED491D0-8E1B-49C7-849B-A28568D94497}" type="slidenum">
-              <a:rPr lang="it-IT" smtClean="0"/>
-              <a:t>7</a:t>
-            </a:fld>
-            <a:endParaRPr lang="it-IT" dirty="0"/>
-          </a:p>
-        </p:txBody>
-      </p:sp>
-    </p:spTree>
-    <p:extLst>
-      <p:ext uri="{BB962C8B-B14F-4D97-AF65-F5344CB8AC3E}">
-        <p14:creationId xmlns:p14="http://schemas.microsoft.com/office/powerpoint/2010/main" val="4055720263"/>
-      </p:ext>
-    </p:extLst>
-  </p:cSld>
-  <p:clrMapOvr>
-    <a:masterClrMapping/>
-  </p:clrMapOvr>
-</p:notes>
-</file>
-
-<file path=ppt/notesSlides/notesSlide8.xml><?xml version="1.0" encoding="utf-8"?>
-<p:notes xmlns:a="http://schemas.openxmlformats.org/drawingml/2006/main" xmlns:r="http://schemas.openxmlformats.org/officeDocument/2006/relationships" xmlns:p="http://schemas.openxmlformats.org/presentationml/2006/main">
-  <p:cSld>
-    <p:spTree>
-      <p:nvGrpSpPr>
-        <p:cNvPr id="1" name=""/>
-        <p:cNvGrpSpPr/>
-        <p:nvPr/>
-      </p:nvGrpSpPr>
-      <p:grpSpPr>
-        <a:xfrm>
-          <a:off x="0" y="0"/>
-          <a:ext cx="0" cy="0"/>
-          <a:chOff x="0" y="0"/>
-          <a:chExt cx="0" cy="0"/>
-        </a:xfrm>
-      </p:grpSpPr>
-      <p:sp>
-        <p:nvSpPr>
-          <p:cNvPr id="2" name="Segnaposto immagine diapositiva 1"/>
-          <p:cNvSpPr>
-            <a:spLocks noGrp="1" noRot="1" noChangeAspect="1"/>
-          </p:cNvSpPr>
-          <p:nvPr>
-            <p:ph type="sldImg"/>
-          </p:nvPr>
-        </p:nvSpPr>
-        <p:spPr/>
-      </p:sp>
-      <p:sp>
-        <p:nvSpPr>
-          <p:cNvPr id="3" name="Segnaposto note 2"/>
-          <p:cNvSpPr>
-            <a:spLocks noGrp="1"/>
-          </p:cNvSpPr>
-          <p:nvPr>
-            <p:ph type="body" idx="1"/>
-          </p:nvPr>
-        </p:nvSpPr>
-        <p:spPr/>
-        <p:txBody>
-          <a:bodyPr/>
-          <a:lstStyle/>
-          <a:p>
-            <a:endParaRPr lang="it-IT" dirty="0"/>
-          </a:p>
-        </p:txBody>
-      </p:sp>
-      <p:sp>
-        <p:nvSpPr>
-          <p:cNvPr id="4" name="Segnaposto numero diapositiva 3"/>
-          <p:cNvSpPr>
-            <a:spLocks noGrp="1"/>
-          </p:cNvSpPr>
-          <p:nvPr>
-            <p:ph type="sldNum" sz="quarter" idx="10"/>
-          </p:nvPr>
-        </p:nvSpPr>
-        <p:spPr/>
-        <p:txBody>
-          <a:bodyPr/>
-          <a:lstStyle/>
-          <a:p>
-            <a:pPr rtl="0"/>
-            <a:fld id="{DED491D0-8E1B-49C7-849B-A28568D94497}" type="slidenum">
-              <a:rPr lang="it-IT" smtClean="0"/>
-              <a:t>8</a:t>
-            </a:fld>
-            <a:endParaRPr lang="it-IT" dirty="0"/>
-          </a:p>
-        </p:txBody>
-      </p:sp>
-    </p:spTree>
-    <p:extLst>
-      <p:ext uri="{BB962C8B-B14F-4D97-AF65-F5344CB8AC3E}">
-        <p14:creationId xmlns:p14="http://schemas.microsoft.com/office/powerpoint/2010/main" val="519313198"/>
-      </p:ext>
-    </p:extLst>
-  </p:cSld>
-  <p:clrMapOvr>
-    <a:masterClrMapping/>
-  </p:clrMapOvr>
-</p:notes>
-</file>
-
-<file path=ppt/notesSlides/notesSlide9.xml><?xml version="1.0" encoding="utf-8"?>
-<p:notes xmlns:a="http://schemas.openxmlformats.org/drawingml/2006/main" xmlns:r="http://schemas.openxmlformats.org/officeDocument/2006/relationships" xmlns:p="http://schemas.openxmlformats.org/presentationml/2006/main">
-  <p:cSld>
-    <p:spTree>
-      <p:nvGrpSpPr>
-        <p:cNvPr id="1" name=""/>
-        <p:cNvGrpSpPr/>
-        <p:nvPr/>
-      </p:nvGrpSpPr>
-      <p:grpSpPr>
-        <a:xfrm>
-          <a:off x="0" y="0"/>
-          <a:ext cx="0" cy="0"/>
-          <a:chOff x="0" y="0"/>
-          <a:chExt cx="0" cy="0"/>
-        </a:xfrm>
-      </p:grpSpPr>
-      <p:sp>
-        <p:nvSpPr>
-          <p:cNvPr id="2" name="Segnaposto immagine diapositiva 1"/>
-          <p:cNvSpPr>
-            <a:spLocks noGrp="1" noRot="1" noChangeAspect="1"/>
-          </p:cNvSpPr>
-          <p:nvPr>
-            <p:ph type="sldImg"/>
-          </p:nvPr>
-        </p:nvSpPr>
-        <p:spPr/>
-      </p:sp>
-      <p:sp>
-        <p:nvSpPr>
-          <p:cNvPr id="3" name="Segnaposto note 2"/>
-          <p:cNvSpPr>
-            <a:spLocks noGrp="1"/>
-          </p:cNvSpPr>
-          <p:nvPr>
-            <p:ph type="body" idx="1"/>
-          </p:nvPr>
-        </p:nvSpPr>
-        <p:spPr/>
-        <p:txBody>
-          <a:bodyPr/>
-          <a:lstStyle/>
-          <a:p>
-            <a:endParaRPr lang="it-IT" dirty="0"/>
-          </a:p>
-        </p:txBody>
-      </p:sp>
-      <p:sp>
-        <p:nvSpPr>
-          <p:cNvPr id="4" name="Segnaposto numero diapositiva 3"/>
-          <p:cNvSpPr>
-            <a:spLocks noGrp="1"/>
-          </p:cNvSpPr>
-          <p:nvPr>
-            <p:ph type="sldNum" sz="quarter" idx="10"/>
-          </p:nvPr>
-        </p:nvSpPr>
-        <p:spPr/>
-        <p:txBody>
-          <a:bodyPr/>
-          <a:lstStyle/>
-          <a:p>
-            <a:pPr rtl="0"/>
-            <a:fld id="{DED491D0-8E1B-49C7-849B-A28568D94497}" type="slidenum">
-              <a:rPr lang="it-IT" smtClean="0"/>
-              <a:t>9</a:t>
-            </a:fld>
-            <a:endParaRPr lang="it-IT" dirty="0"/>
-          </a:p>
-        </p:txBody>
-      </p:sp>
-    </p:spTree>
-    <p:extLst>
-      <p:ext uri="{BB962C8B-B14F-4D97-AF65-F5344CB8AC3E}">
-        <p14:creationId xmlns:p14="http://schemas.microsoft.com/office/powerpoint/2010/main" val="3157705119"/>
-      </p:ext>
-    </p:extLst>
-  </p:cSld>
-  <p:clrMapOvr>
-    <a:masterClrMapping/>
-  </p:clrMapOvr>
-</p:notes>
-</file>
-
 <file path=ppt/slideLayouts/slideLayout1.xml><?xml version="1.0" encoding="utf-8"?>
 <p:sldLayout xmlns:a="http://schemas.openxmlformats.org/drawingml/2006/main" xmlns:r="http://schemas.openxmlformats.org/officeDocument/2006/relationships" xmlns:p="http://schemas.openxmlformats.org/presentationml/2006/main" showMasterSp="0" type="title" preserve="1">
   <p:cSld name="Diapositiva titolo">
@@ -11310,7 +10910,7 @@
             <a:pPr rtl="0"/>
             <a:fld id="{A8AE3B20-CFB8-44BE-B151-B52724EA33DD}" type="datetime1">
               <a:rPr lang="it-IT" smtClean="0"/>
-              <a:t>07/04/2022</a:t>
+              <a:t>10/04/2022</a:t>
             </a:fld>
             <a:endParaRPr lang="it-IT" dirty="0"/>
           </a:p>
@@ -11517,7 +11117,7 @@
             <a:pPr rtl="0"/>
             <a:fld id="{A4EB9E6B-5F81-4239-A56C-945E582E246D}" type="datetime1">
               <a:rPr lang="it-IT" smtClean="0"/>
-              <a:t>07/04/2022</a:t>
+              <a:t>10/04/2022</a:t>
             </a:fld>
             <a:endParaRPr lang="it-IT" dirty="0"/>
           </a:p>
@@ -11798,7 +11398,7 @@
           <a:p>
             <a:fld id="{40EBDFC5-A929-4384-928F-6713F17E45DF}" type="datetime1">
               <a:rPr lang="it-IT" smtClean="0"/>
-              <a:t>07/04/2022</a:t>
+              <a:t>10/04/2022</a:t>
             </a:fld>
             <a:endParaRPr lang="it-IT" dirty="0"/>
           </a:p>
@@ -11998,7 +11598,7 @@
             <a:pPr rtl="0"/>
             <a:fld id="{068545F1-966F-4493-ACF1-A3FB3268A7AC}" type="datetime1">
               <a:rPr lang="it-IT" smtClean="0"/>
-              <a:t>07/04/2022</a:t>
+              <a:t>10/04/2022</a:t>
             </a:fld>
             <a:endParaRPr lang="it-IT" dirty="0"/>
           </a:p>
@@ -12388,7 +11988,7 @@
             <a:pPr rtl="0"/>
             <a:fld id="{4A5528B1-B62B-4557-A802-C5912BE55EC4}" type="datetime1">
               <a:rPr lang="it-IT" smtClean="0"/>
-              <a:t>07/04/2022</a:t>
+              <a:t>10/04/2022</a:t>
             </a:fld>
             <a:endParaRPr lang="it-IT" dirty="0"/>
           </a:p>
@@ -12657,7 +12257,7 @@
             <a:pPr rtl="0"/>
             <a:fld id="{E07DA317-FE2F-46C8-97E6-09D0512168BF}" type="datetime1">
               <a:rPr lang="it-IT" smtClean="0"/>
-              <a:t>07/04/2022</a:t>
+              <a:t>10/04/2022</a:t>
             </a:fld>
             <a:endParaRPr lang="it-IT" dirty="0"/>
           </a:p>
@@ -13039,7 +12639,7 @@
             <a:pPr rtl="0"/>
             <a:fld id="{D265A657-C0D9-4D1D-B9C4-5D6C50577A26}" type="datetime1">
               <a:rPr lang="it-IT" smtClean="0"/>
-              <a:t>07/04/2022</a:t>
+              <a:t>10/04/2022</a:t>
             </a:fld>
             <a:endParaRPr lang="it-IT" dirty="0"/>
           </a:p>
@@ -13177,7 +12777,7 @@
             <a:pPr rtl="0"/>
             <a:fld id="{521C5BF0-8630-46E5-A014-C2489D6C26F3}" type="datetime1">
               <a:rPr lang="it-IT" smtClean="0"/>
-              <a:t>07/04/2022</a:t>
+              <a:t>10/04/2022</a:t>
             </a:fld>
             <a:endParaRPr lang="it-IT" dirty="0"/>
           </a:p>
@@ -13291,7 +12891,7 @@
             <a:pPr rtl="0"/>
             <a:fld id="{7C53437B-976E-4DF6-B277-E8718AC7BF18}" type="datetime1">
               <a:rPr lang="it-IT" smtClean="0"/>
-              <a:t>07/04/2022</a:t>
+              <a:t>10/04/2022</a:t>
             </a:fld>
             <a:endParaRPr lang="it-IT" dirty="0"/>
           </a:p>
@@ -13592,7 +13192,7 @@
             <a:pPr rtl="0"/>
             <a:fld id="{484E27B1-25EA-4AC7-A166-0068CAC1CE4A}" type="datetime1">
               <a:rPr lang="it-IT" smtClean="0"/>
-              <a:t>07/04/2022</a:t>
+              <a:t>10/04/2022</a:t>
             </a:fld>
             <a:endParaRPr lang="it-IT" dirty="0"/>
           </a:p>
@@ -13871,7 +13471,7 @@
             <a:pPr rtl="0"/>
             <a:fld id="{734F5D59-52C8-4BFB-9019-3789E2E752B8}" type="datetime1">
               <a:rPr lang="it-IT" smtClean="0"/>
-              <a:t>07/04/2022</a:t>
+              <a:t>10/04/2022</a:t>
             </a:fld>
             <a:endParaRPr lang="it-IT" dirty="0"/>
           </a:p>
@@ -14202,7 +13802,7 @@
           <a:p>
             <a:fld id="{8634E8C3-CABA-48D8-B1D9-C4AEEF6A6497}" type="datetime1">
               <a:rPr lang="it-IT" smtClean="0"/>
-              <a:t>07/04/2022</a:t>
+              <a:t>10/04/2022</a:t>
             </a:fld>
             <a:endParaRPr lang="it-IT" dirty="0"/>
           </a:p>
@@ -14852,435 +14452,6 @@
 </p:sld>
 </file>
 
-<file path=ppt/slides/slide10.xml><?xml version="1.0" encoding="utf-8"?>
-<p:sld xmlns:a="http://schemas.openxmlformats.org/drawingml/2006/main" xmlns:r="http://schemas.openxmlformats.org/officeDocument/2006/relationships" xmlns:p="http://schemas.openxmlformats.org/presentationml/2006/main">
-  <p:cSld>
-    <p:spTree>
-      <p:nvGrpSpPr>
-        <p:cNvPr id="1" name=""/>
-        <p:cNvGrpSpPr/>
-        <p:nvPr/>
-      </p:nvGrpSpPr>
-      <p:grpSpPr>
-        <a:xfrm>
-          <a:off x="0" y="0"/>
-          <a:ext cx="0" cy="0"/>
-          <a:chOff x="0" y="0"/>
-          <a:chExt cx="0" cy="0"/>
-        </a:xfrm>
-      </p:grpSpPr>
-      <p:sp>
-        <p:nvSpPr>
-          <p:cNvPr id="2" name="Titolo 1"/>
-          <p:cNvSpPr>
-            <a:spLocks noGrp="1"/>
-          </p:cNvSpPr>
-          <p:nvPr>
-            <p:ph type="title"/>
-          </p:nvPr>
-        </p:nvSpPr>
-        <p:spPr/>
-        <p:txBody>
-          <a:bodyPr rtlCol="0"/>
-          <a:lstStyle/>
-          <a:p>
-            <a:pPr rtl="0"/>
-            <a:r>
-              <a:rPr lang="it-IT" dirty="0" smtClean="0"/>
-              <a:t>Aggiungere un titolo di diapositiva - 4</a:t>
-            </a:r>
-            <a:endParaRPr lang="it-IT" dirty="0"/>
-          </a:p>
-        </p:txBody>
-      </p:sp>
-      <p:sp>
-        <p:nvSpPr>
-          <p:cNvPr id="4" name="Segnaposto testo 3"/>
-          <p:cNvSpPr>
-            <a:spLocks noGrp="1"/>
-          </p:cNvSpPr>
-          <p:nvPr>
-            <p:ph type="body" sz="half" idx="2"/>
-          </p:nvPr>
-        </p:nvSpPr>
-        <p:spPr/>
-        <p:txBody>
-          <a:bodyPr rtlCol="0"/>
-          <a:lstStyle/>
-          <a:p>
-            <a:pPr rtl="0"/>
-            <a:endParaRPr lang="it-IT" dirty="0"/>
-          </a:p>
-        </p:txBody>
-      </p:sp>
-      <p:sp>
-        <p:nvSpPr>
-          <p:cNvPr id="3" name="Segnaposto contenuto 2"/>
-          <p:cNvSpPr>
-            <a:spLocks noGrp="1"/>
-          </p:cNvSpPr>
-          <p:nvPr>
-            <p:ph idx="1"/>
-          </p:nvPr>
-        </p:nvSpPr>
-        <p:spPr/>
-        <p:txBody>
-          <a:bodyPr rtlCol="0"/>
-          <a:lstStyle/>
-          <a:p>
-            <a:pPr rtl="0"/>
-            <a:endParaRPr lang="it-IT" dirty="0"/>
-          </a:p>
-        </p:txBody>
-      </p:sp>
-      <p:sp>
-        <p:nvSpPr>
-          <p:cNvPr id="5" name="Segnaposto piè di pagina 4"/>
-          <p:cNvSpPr>
-            <a:spLocks noGrp="1"/>
-          </p:cNvSpPr>
-          <p:nvPr>
-            <p:ph type="ftr" sz="quarter" idx="11"/>
-          </p:nvPr>
-        </p:nvSpPr>
-        <p:spPr/>
-        <p:txBody>
-          <a:bodyPr/>
-          <a:lstStyle/>
-          <a:p>
-            <a:pPr rtl="0"/>
-            <a:r>
-              <a:rPr lang="en-US" smtClean="0"/>
-              <a:t>MiMaCh System - Intermediate Competition - Intelligent Systems</a:t>
-            </a:r>
-            <a:endParaRPr lang="it-IT" dirty="0"/>
-          </a:p>
-        </p:txBody>
-      </p:sp>
-      <p:sp>
-        <p:nvSpPr>
-          <p:cNvPr id="6" name="Segnaposto numero diapositiva 5"/>
-          <p:cNvSpPr>
-            <a:spLocks noGrp="1"/>
-          </p:cNvSpPr>
-          <p:nvPr>
-            <p:ph type="sldNum" sz="quarter" idx="12"/>
-          </p:nvPr>
-        </p:nvSpPr>
-        <p:spPr/>
-        <p:txBody>
-          <a:bodyPr/>
-          <a:lstStyle/>
-          <a:p>
-            <a:pPr rtl="0"/>
-            <a:fld id="{BD266BE7-899D-4075-917F-DBDE33B6B692}" type="slidenum">
-              <a:rPr lang="it-IT" smtClean="0"/>
-              <a:t>10</a:t>
-            </a:fld>
-            <a:endParaRPr lang="it-IT" dirty="0"/>
-          </a:p>
-        </p:txBody>
-      </p:sp>
-    </p:spTree>
-    <p:extLst>
-      <p:ext uri="{BB962C8B-B14F-4D97-AF65-F5344CB8AC3E}">
-        <p14:creationId xmlns:p14="http://schemas.microsoft.com/office/powerpoint/2010/main" val="1457430339"/>
-      </p:ext>
-    </p:extLst>
-  </p:cSld>
-  <p:clrMapOvr>
-    <a:masterClrMapping/>
-  </p:clrMapOvr>
-  <mc:AlternateContent xmlns:mc="http://schemas.openxmlformats.org/markup-compatibility/2006" xmlns:p14="http://schemas.microsoft.com/office/powerpoint/2010/main">
-    <mc:Choice Requires="p14">
-      <p:transition spd="med" p14:dur="700">
-        <p:fade/>
-      </p:transition>
-    </mc:Choice>
-    <mc:Fallback xmlns="">
-      <p:transition spd="med">
-        <p:fade/>
-      </p:transition>
-    </mc:Fallback>
-  </mc:AlternateContent>
-</p:sld>
-</file>
-
-<file path=ppt/slides/slide11.xml><?xml version="1.0" encoding="utf-8"?>
-<p:sld xmlns:a="http://schemas.openxmlformats.org/drawingml/2006/main" xmlns:r="http://schemas.openxmlformats.org/officeDocument/2006/relationships" xmlns:p="http://schemas.openxmlformats.org/presentationml/2006/main">
-  <p:cSld>
-    <p:spTree>
-      <p:nvGrpSpPr>
-        <p:cNvPr id="1" name=""/>
-        <p:cNvGrpSpPr/>
-        <p:nvPr/>
-      </p:nvGrpSpPr>
-      <p:grpSpPr>
-        <a:xfrm>
-          <a:off x="0" y="0"/>
-          <a:ext cx="0" cy="0"/>
-          <a:chOff x="0" y="0"/>
-          <a:chExt cx="0" cy="0"/>
-        </a:xfrm>
-      </p:grpSpPr>
-      <p:sp>
-        <p:nvSpPr>
-          <p:cNvPr id="2" name="Titolo 1"/>
-          <p:cNvSpPr>
-            <a:spLocks noGrp="1"/>
-          </p:cNvSpPr>
-          <p:nvPr>
-            <p:ph type="title"/>
-          </p:nvPr>
-        </p:nvSpPr>
-        <p:spPr/>
-        <p:txBody>
-          <a:bodyPr rtlCol="0"/>
-          <a:lstStyle/>
-          <a:p>
-            <a:pPr rtl="0"/>
-            <a:r>
-              <a:rPr lang="it-IT" dirty="0" smtClean="0"/>
-              <a:t>Aggiungere un titolo di diapositiva - 5</a:t>
-            </a:r>
-            <a:endParaRPr lang="it-IT" dirty="0"/>
-          </a:p>
-        </p:txBody>
-      </p:sp>
-      <p:sp>
-        <p:nvSpPr>
-          <p:cNvPr id="4" name="Segnaposto testo 3"/>
-          <p:cNvSpPr>
-            <a:spLocks noGrp="1"/>
-          </p:cNvSpPr>
-          <p:nvPr>
-            <p:ph type="body" sz="half" idx="2"/>
-          </p:nvPr>
-        </p:nvSpPr>
-        <p:spPr/>
-        <p:txBody>
-          <a:bodyPr rtlCol="0"/>
-          <a:lstStyle/>
-          <a:p>
-            <a:pPr rtl="0"/>
-            <a:endParaRPr lang="it-IT" dirty="0"/>
-          </a:p>
-        </p:txBody>
-      </p:sp>
-      <p:sp>
-        <p:nvSpPr>
-          <p:cNvPr id="3" name="Segnaposto immagine 2" descr="Segnaposto vuoto per aggiungere un'immagine. Fare clic sul segnaposto e selezionare l'immagine che si vuole aggiungere"/>
-          <p:cNvSpPr>
-            <a:spLocks noGrp="1"/>
-          </p:cNvSpPr>
-          <p:nvPr>
-            <p:ph type="pic" idx="1"/>
-          </p:nvPr>
-        </p:nvSpPr>
-        <p:spPr/>
-      </p:sp>
-      <p:sp>
-        <p:nvSpPr>
-          <p:cNvPr id="5" name="Segnaposto piè di pagina 4"/>
-          <p:cNvSpPr>
-            <a:spLocks noGrp="1"/>
-          </p:cNvSpPr>
-          <p:nvPr>
-            <p:ph type="ftr" sz="quarter" idx="11"/>
-          </p:nvPr>
-        </p:nvSpPr>
-        <p:spPr/>
-        <p:txBody>
-          <a:bodyPr/>
-          <a:lstStyle/>
-          <a:p>
-            <a:pPr rtl="0"/>
-            <a:r>
-              <a:rPr lang="en-US" smtClean="0"/>
-              <a:t>MiMaCh System - Intermediate Competition - Intelligent Systems</a:t>
-            </a:r>
-            <a:endParaRPr lang="it-IT" dirty="0"/>
-          </a:p>
-        </p:txBody>
-      </p:sp>
-      <p:sp>
-        <p:nvSpPr>
-          <p:cNvPr id="6" name="Segnaposto numero diapositiva 5"/>
-          <p:cNvSpPr>
-            <a:spLocks noGrp="1"/>
-          </p:cNvSpPr>
-          <p:nvPr>
-            <p:ph type="sldNum" sz="quarter" idx="12"/>
-          </p:nvPr>
-        </p:nvSpPr>
-        <p:spPr/>
-        <p:txBody>
-          <a:bodyPr/>
-          <a:lstStyle/>
-          <a:p>
-            <a:pPr rtl="0"/>
-            <a:fld id="{BD266BE7-899D-4075-917F-DBDE33B6B692}" type="slidenum">
-              <a:rPr lang="it-IT" smtClean="0"/>
-              <a:t>11</a:t>
-            </a:fld>
-            <a:endParaRPr lang="it-IT" dirty="0"/>
-          </a:p>
-        </p:txBody>
-      </p:sp>
-    </p:spTree>
-    <p:extLst>
-      <p:ext uri="{BB962C8B-B14F-4D97-AF65-F5344CB8AC3E}">
-        <p14:creationId xmlns:p14="http://schemas.microsoft.com/office/powerpoint/2010/main" val="3734198996"/>
-      </p:ext>
-    </p:extLst>
-  </p:cSld>
-  <p:clrMapOvr>
-    <a:masterClrMapping/>
-  </p:clrMapOvr>
-  <mc:AlternateContent xmlns:mc="http://schemas.openxmlformats.org/markup-compatibility/2006" xmlns:p14="http://schemas.microsoft.com/office/powerpoint/2010/main">
-    <mc:Choice Requires="p14">
-      <p:transition spd="med" p14:dur="700">
-        <p:fade/>
-      </p:transition>
-    </mc:Choice>
-    <mc:Fallback xmlns="">
-      <p:transition spd="med">
-        <p:fade/>
-      </p:transition>
-    </mc:Fallback>
-  </mc:AlternateContent>
-</p:sld>
-</file>
-
-<file path=ppt/slides/slide12.xml><?xml version="1.0" encoding="utf-8"?>
-<p:sld xmlns:a="http://schemas.openxmlformats.org/drawingml/2006/main" xmlns:r="http://schemas.openxmlformats.org/officeDocument/2006/relationships" xmlns:p="http://schemas.openxmlformats.org/presentationml/2006/main">
-  <p:cSld>
-    <p:spTree>
-      <p:nvGrpSpPr>
-        <p:cNvPr id="1" name=""/>
-        <p:cNvGrpSpPr/>
-        <p:nvPr/>
-      </p:nvGrpSpPr>
-      <p:grpSpPr>
-        <a:xfrm>
-          <a:off x="0" y="0"/>
-          <a:ext cx="0" cy="0"/>
-          <a:chOff x="0" y="0"/>
-          <a:chExt cx="0" cy="0"/>
-        </a:xfrm>
-      </p:grpSpPr>
-      <p:sp>
-        <p:nvSpPr>
-          <p:cNvPr id="2" name="Titolo 1"/>
-          <p:cNvSpPr>
-            <a:spLocks noGrp="1"/>
-          </p:cNvSpPr>
-          <p:nvPr>
-            <p:ph type="title"/>
-          </p:nvPr>
-        </p:nvSpPr>
-        <p:spPr/>
-        <p:txBody>
-          <a:bodyPr/>
-          <a:lstStyle/>
-          <a:p>
-            <a:endParaRPr lang="en-US"/>
-          </a:p>
-        </p:txBody>
-      </p:sp>
-      <p:sp>
-        <p:nvSpPr>
-          <p:cNvPr id="3" name="Segnaposto testo 2"/>
-          <p:cNvSpPr>
-            <a:spLocks noGrp="1"/>
-          </p:cNvSpPr>
-          <p:nvPr>
-            <p:ph type="body" idx="1"/>
-          </p:nvPr>
-        </p:nvSpPr>
-        <p:spPr/>
-        <p:txBody>
-          <a:bodyPr/>
-          <a:lstStyle/>
-          <a:p>
-            <a:endParaRPr lang="en-US"/>
-          </a:p>
-        </p:txBody>
-      </p:sp>
-      <p:sp>
-        <p:nvSpPr>
-          <p:cNvPr id="4" name="Segnaposto piè di pagina 3"/>
-          <p:cNvSpPr>
-            <a:spLocks noGrp="1"/>
-          </p:cNvSpPr>
-          <p:nvPr>
-            <p:ph type="ftr" sz="quarter" idx="11"/>
-          </p:nvPr>
-        </p:nvSpPr>
-        <p:spPr/>
-        <p:txBody>
-          <a:bodyPr/>
-          <a:lstStyle/>
-          <a:p>
-            <a:pPr rtl="0"/>
-            <a:r>
-              <a:rPr lang="en-US" smtClean="0"/>
-              <a:t>MiMaCh System - Intermediate Competition - Intelligent Systems</a:t>
-            </a:r>
-            <a:endParaRPr lang="it-IT" dirty="0"/>
-          </a:p>
-        </p:txBody>
-      </p:sp>
-      <p:sp>
-        <p:nvSpPr>
-          <p:cNvPr id="5" name="Segnaposto numero diapositiva 4"/>
-          <p:cNvSpPr>
-            <a:spLocks noGrp="1"/>
-          </p:cNvSpPr>
-          <p:nvPr>
-            <p:ph type="sldNum" sz="quarter" idx="12"/>
-          </p:nvPr>
-        </p:nvSpPr>
-        <p:spPr/>
-        <p:txBody>
-          <a:bodyPr/>
-          <a:lstStyle/>
-          <a:p>
-            <a:pPr rtl="0"/>
-            <a:fld id="{BD266BE7-899D-4075-917F-DBDE33B6B692}" type="slidenum">
-              <a:rPr lang="it-IT" smtClean="0"/>
-              <a:pPr rtl="0"/>
-              <a:t>12</a:t>
-            </a:fld>
-            <a:endParaRPr lang="it-IT" dirty="0"/>
-          </a:p>
-        </p:txBody>
-      </p:sp>
-    </p:spTree>
-    <p:extLst>
-      <p:ext uri="{BB962C8B-B14F-4D97-AF65-F5344CB8AC3E}">
-        <p14:creationId xmlns:p14="http://schemas.microsoft.com/office/powerpoint/2010/main" val="1294575105"/>
-      </p:ext>
-    </p:extLst>
-  </p:cSld>
-  <p:clrMapOvr>
-    <a:masterClrMapping/>
-  </p:clrMapOvr>
-  <mc:AlternateContent xmlns:mc="http://schemas.openxmlformats.org/markup-compatibility/2006" xmlns:p14="http://schemas.microsoft.com/office/powerpoint/2010/main">
-    <mc:Choice Requires="p14">
-      <p:transition spd="med" p14:dur="700">
-        <p:fade/>
-      </p:transition>
-    </mc:Choice>
-    <mc:Fallback xmlns="">
-      <p:transition spd="med">
-        <p:fade/>
-      </p:transition>
-    </mc:Fallback>
-  </mc:AlternateContent>
-</p:sld>
-</file>
-
 <file path=ppt/slides/slide2.xml><?xml version="1.0" encoding="utf-8"?>
 <p:sld xmlns:a="http://schemas.openxmlformats.org/drawingml/2006/main" xmlns:r="http://schemas.openxmlformats.org/officeDocument/2006/relationships" xmlns:p="http://schemas.openxmlformats.org/presentationml/2006/main">
   <p:cSld>
@@ -15348,7 +14519,7 @@
             <p:ph idx="1"/>
             <p:extLst>
               <p:ext uri="{D42A27DB-BD31-4B8C-83A1-F6EECF244321}">
-                <p14:modId xmlns:p14="http://schemas.microsoft.com/office/powerpoint/2010/main" val="2941883850"/>
+                <p14:modId xmlns:p14="http://schemas.microsoft.com/office/powerpoint/2010/main" val="123286575"/>
               </p:ext>
             </p:extLst>
           </p:nvPr>
@@ -16185,141 +15356,6 @@
       </p:grpSpPr>
       <p:sp>
         <p:nvSpPr>
-          <p:cNvPr id="13" name="Titolo 1"/>
-          <p:cNvSpPr>
-            <a:spLocks noGrp="1"/>
-          </p:cNvSpPr>
-          <p:nvPr>
-            <p:ph type="title"/>
-          </p:nvPr>
-        </p:nvSpPr>
-        <p:spPr/>
-        <p:txBody>
-          <a:bodyPr rtlCol="0"/>
-          <a:lstStyle/>
-          <a:p>
-            <a:pPr rtl="0"/>
-            <a:r>
-              <a:rPr lang="it-IT" dirty="0" smtClean="0"/>
-              <a:t>Aggiungere un titolo di diapositiva - 1</a:t>
-            </a:r>
-            <a:endParaRPr lang="it-IT" dirty="0"/>
-          </a:p>
-        </p:txBody>
-      </p:sp>
-      <p:sp>
-        <p:nvSpPr>
-          <p:cNvPr id="14" name="Segnaposto testo 2"/>
-          <p:cNvSpPr>
-            <a:spLocks noGrp="1"/>
-          </p:cNvSpPr>
-          <p:nvPr>
-            <p:ph type="body" idx="1"/>
-          </p:nvPr>
-        </p:nvSpPr>
-        <p:spPr/>
-        <p:txBody>
-          <a:bodyPr rtlCol="0"/>
-          <a:lstStyle/>
-          <a:p>
-            <a:pPr rtl="0"/>
-            <a:endParaRPr lang="it-IT" dirty="0"/>
-          </a:p>
-        </p:txBody>
-      </p:sp>
-      <p:sp>
-        <p:nvSpPr>
-          <p:cNvPr id="2" name="Segnaposto piè di pagina 1"/>
-          <p:cNvSpPr>
-            <a:spLocks noGrp="1"/>
-          </p:cNvSpPr>
-          <p:nvPr>
-            <p:ph type="ftr" sz="quarter" idx="11"/>
-          </p:nvPr>
-        </p:nvSpPr>
-        <p:spPr/>
-        <p:txBody>
-          <a:bodyPr/>
-          <a:lstStyle/>
-          <a:p>
-            <a:pPr rtl="0"/>
-            <a:r>
-              <a:rPr lang="en-US" smtClean="0"/>
-              <a:t>MiMaCh System - Intermediate Competition - Intelligent Systems</a:t>
-            </a:r>
-            <a:endParaRPr lang="it-IT" dirty="0"/>
-          </a:p>
-        </p:txBody>
-      </p:sp>
-      <p:sp>
-        <p:nvSpPr>
-          <p:cNvPr id="3" name="Segnaposto numero diapositiva 2"/>
-          <p:cNvSpPr>
-            <a:spLocks noGrp="1"/>
-          </p:cNvSpPr>
-          <p:nvPr>
-            <p:ph type="sldNum" sz="quarter" idx="12"/>
-          </p:nvPr>
-        </p:nvSpPr>
-        <p:spPr/>
-        <p:txBody>
-          <a:bodyPr/>
-          <a:lstStyle/>
-          <a:p>
-            <a:pPr rtl="0"/>
-            <a:fld id="{BD266BE7-899D-4075-917F-DBDE33B6B692}" type="slidenum">
-              <a:rPr lang="it-IT" smtClean="0"/>
-              <a:pPr rtl="0"/>
-              <a:t>6</a:t>
-            </a:fld>
-            <a:endParaRPr lang="it-IT" dirty="0"/>
-          </a:p>
-        </p:txBody>
-      </p:sp>
-    </p:spTree>
-    <p:extLst>
-      <p:ext uri="{BB962C8B-B14F-4D97-AF65-F5344CB8AC3E}">
-        <p14:creationId xmlns:p14="http://schemas.microsoft.com/office/powerpoint/2010/main" val="3240797513"/>
-      </p:ext>
-    </p:extLst>
-  </p:cSld>
-  <p:clrMapOvr>
-    <a:masterClrMapping/>
-  </p:clrMapOvr>
-  <mc:AlternateContent xmlns:mc="http://schemas.openxmlformats.org/markup-compatibility/2006" xmlns:p14="http://schemas.microsoft.com/office/powerpoint/2010/main">
-    <mc:Choice Requires="p14">
-      <p:transition spd="med" p14:dur="700">
-        <p:fade/>
-      </p:transition>
-    </mc:Choice>
-    <mc:Fallback xmlns="">
-      <p:transition spd="med">
-        <p:fade/>
-      </p:transition>
-    </mc:Fallback>
-  </mc:AlternateContent>
-</p:sld>
-</file>
-
-<file path=ppt/slides/slide7.xml><?xml version="1.0" encoding="utf-8"?>
-<p:sld xmlns:a="http://schemas.openxmlformats.org/drawingml/2006/main" xmlns:r="http://schemas.openxmlformats.org/officeDocument/2006/relationships" xmlns:p="http://schemas.openxmlformats.org/presentationml/2006/main">
-  <p:cSld>
-    <p:spTree>
-      <p:nvGrpSpPr>
-        <p:cNvPr id="1" name=""/>
-        <p:cNvGrpSpPr/>
-        <p:nvPr/>
-      </p:nvGrpSpPr>
-      <p:grpSpPr>
-        <a:xfrm>
-          <a:off x="0" y="0"/>
-          <a:ext cx="0" cy="0"/>
-          <a:chOff x="0" y="0"/>
-          <a:chExt cx="0" cy="0"/>
-        </a:xfrm>
-      </p:grpSpPr>
-      <p:sp>
-        <p:nvSpPr>
           <p:cNvPr id="2" name="Titolo 1"/>
           <p:cNvSpPr>
             <a:spLocks noGrp="1"/>
@@ -16330,15 +15366,18 @@
         </p:nvSpPr>
         <p:spPr/>
         <p:txBody>
-          <a:bodyPr rtlCol="0"/>
+          <a:bodyPr/>
           <a:lstStyle/>
           <a:p>
-            <a:pPr rtl="0"/>
             <a:r>
-              <a:rPr lang="it-IT" dirty="0" smtClean="0"/>
-              <a:t>Aggiungere un titolo di diapositiva - 2</a:t>
+              <a:rPr lang="en-US" dirty="0" smtClean="0"/>
+              <a:t>Thanks </a:t>
             </a:r>
-            <a:endParaRPr lang="it-IT" dirty="0"/>
+            <a:r>
+              <a:rPr lang="en-US" dirty="0"/>
+              <a:t>for your attention</a:t>
+            </a:r>
+            <a:endParaRPr lang="en-US" dirty="0"/>
           </a:p>
         </p:txBody>
       </p:sp>
@@ -16354,330 +15393,101 @@
         </p:nvSpPr>
         <p:spPr/>
         <p:txBody>
-          <a:bodyPr rtlCol="0"/>
+          <a:bodyPr>
+            <a:normAutofit lnSpcReduction="10000"/>
+          </a:bodyPr>
           <a:lstStyle/>
           <a:p>
-            <a:pPr rtl="0"/>
-            <a:endParaRPr lang="it-IT" dirty="0"/>
+            <a:r>
+              <a:rPr lang="it-IT" dirty="0" err="1" smtClean="0">
+                <a:effectLst>
+                  <a:outerShdw blurRad="38100" dist="38100" dir="2700000" algn="tl">
+                    <a:srgbClr val="000000">
+                      <a:alpha val="43137"/>
+                    </a:srgbClr>
+                  </a:outerShdw>
+                </a:effectLst>
+              </a:rPr>
+              <a:t>MiMaCh</a:t>
+            </a:r>
+            <a:r>
+              <a:rPr lang="it-IT" dirty="0" smtClean="0">
+                <a:effectLst>
+                  <a:outerShdw blurRad="38100" dist="38100" dir="2700000" algn="tl">
+                    <a:srgbClr val="000000">
+                      <a:alpha val="43137"/>
+                    </a:srgbClr>
+                  </a:outerShdw>
+                </a:effectLst>
+              </a:rPr>
+              <a:t> System</a:t>
+            </a:r>
           </a:p>
-        </p:txBody>
-      </p:sp>
-      <p:sp>
-        <p:nvSpPr>
-          <p:cNvPr id="4" name="Segnaposto contenuto 3"/>
-          <p:cNvSpPr>
-            <a:spLocks noGrp="1"/>
-          </p:cNvSpPr>
-          <p:nvPr>
-            <p:ph sz="half" idx="2"/>
-          </p:nvPr>
-        </p:nvSpPr>
-        <p:spPr/>
-        <p:txBody>
-          <a:bodyPr rtlCol="0"/>
-          <a:lstStyle/>
           <a:p>
-            <a:pPr rtl="0"/>
-            <a:endParaRPr lang="it-IT" dirty="0"/>
+            <a:pPr marL="342900" indent="-342900">
+              <a:buFont typeface="Arial" panose="020B0604020202020204" pitchFamily="34" charset="0"/>
+              <a:buChar char="•"/>
+            </a:pPr>
+            <a:r>
+              <a:rPr lang="it-IT" dirty="0" smtClean="0">
+                <a:effectLst>
+                  <a:outerShdw blurRad="38100" dist="38100" dir="2700000" algn="tl">
+                    <a:srgbClr val="000000">
+                      <a:alpha val="43137"/>
+                    </a:srgbClr>
+                  </a:outerShdw>
+                </a:effectLst>
+              </a:rPr>
+              <a:t>Canonaco Martina [231874]</a:t>
+            </a:r>
           </a:p>
-        </p:txBody>
-      </p:sp>
-      <p:sp>
-        <p:nvSpPr>
-          <p:cNvPr id="5" name="Segnaposto testo 4"/>
-          <p:cNvSpPr>
-            <a:spLocks noGrp="1"/>
-          </p:cNvSpPr>
-          <p:nvPr>
-            <p:ph type="body" sz="quarter" idx="3"/>
-          </p:nvPr>
-        </p:nvSpPr>
-        <p:spPr/>
-        <p:txBody>
-          <a:bodyPr rtlCol="0"/>
-          <a:lstStyle/>
           <a:p>
-            <a:pPr rtl="0"/>
-            <a:endParaRPr lang="it-IT" dirty="0"/>
+            <a:pPr marL="342900" indent="-342900">
+              <a:buFont typeface="Arial" panose="020B0604020202020204" pitchFamily="34" charset="0"/>
+              <a:buChar char="•"/>
+            </a:pPr>
+            <a:r>
+              <a:rPr lang="it-IT" dirty="0" smtClean="0">
+                <a:effectLst>
+                  <a:outerShdw blurRad="38100" dist="38100" dir="2700000" algn="tl">
+                    <a:srgbClr val="000000">
+                      <a:alpha val="43137"/>
+                    </a:srgbClr>
+                  </a:outerShdw>
+                </a:effectLst>
+              </a:rPr>
+              <a:t>Morello Michele [223953]</a:t>
+            </a:r>
           </a:p>
-        </p:txBody>
-      </p:sp>
-      <p:sp>
-        <p:nvSpPr>
-          <p:cNvPr id="6" name="Segnaposto contenuto 5"/>
-          <p:cNvSpPr>
-            <a:spLocks noGrp="1"/>
-          </p:cNvSpPr>
-          <p:nvPr>
-            <p:ph sz="quarter" idx="4"/>
-          </p:nvPr>
-        </p:nvSpPr>
-        <p:spPr/>
-        <p:txBody>
-          <a:bodyPr rtlCol="0"/>
-          <a:lstStyle/>
           <a:p>
-            <a:pPr rtl="0"/>
-            <a:endParaRPr lang="it-IT" dirty="0"/>
-          </a:p>
-        </p:txBody>
-      </p:sp>
-      <p:sp>
-        <p:nvSpPr>
-          <p:cNvPr id="7" name="Segnaposto piè di pagina 6"/>
-          <p:cNvSpPr>
-            <a:spLocks noGrp="1"/>
-          </p:cNvSpPr>
-          <p:nvPr>
-            <p:ph type="ftr" sz="quarter" idx="11"/>
-          </p:nvPr>
-        </p:nvSpPr>
-        <p:spPr/>
-        <p:txBody>
-          <a:bodyPr/>
-          <a:lstStyle/>
-          <a:p>
-            <a:pPr rtl="0"/>
+            <a:pPr marL="342900" indent="-342900">
+              <a:buFont typeface="Arial" panose="020B0604020202020204" pitchFamily="34" charset="0"/>
+              <a:buChar char="•"/>
+            </a:pPr>
             <a:r>
-              <a:rPr lang="en-US" smtClean="0"/>
-              <a:t>MiMaCh System - Intermediate Competition - Intelligent Systems</a:t>
+              <a:rPr lang="it-IT" dirty="0" smtClean="0">
+                <a:effectLst>
+                  <a:outerShdw blurRad="38100" dist="38100" dir="2700000" algn="tl">
+                    <a:srgbClr val="000000">
+                      <a:alpha val="43137"/>
+                    </a:srgbClr>
+                  </a:outerShdw>
+                </a:effectLst>
+              </a:rPr>
+              <a:t>Passarelli Chiara [223971</a:t>
             </a:r>
-            <a:endParaRPr lang="it-IT" dirty="0"/>
-          </a:p>
-        </p:txBody>
-      </p:sp>
-      <p:sp>
-        <p:nvSpPr>
-          <p:cNvPr id="8" name="Segnaposto numero diapositiva 7"/>
-          <p:cNvSpPr>
-            <a:spLocks noGrp="1"/>
-          </p:cNvSpPr>
-          <p:nvPr>
-            <p:ph type="sldNum" sz="quarter" idx="12"/>
-          </p:nvPr>
-        </p:nvSpPr>
-        <p:spPr/>
-        <p:txBody>
-          <a:bodyPr/>
-          <a:lstStyle/>
-          <a:p>
-            <a:pPr rtl="0"/>
-            <a:fld id="{BD266BE7-899D-4075-917F-DBDE33B6B692}" type="slidenum">
-              <a:rPr lang="it-IT" smtClean="0"/>
-              <a:t>7</a:t>
-            </a:fld>
-            <a:endParaRPr lang="it-IT" dirty="0"/>
+            <a:r>
+              <a:rPr lang="it-IT" dirty="0" smtClean="0"/>
+              <a:t>]</a:t>
+            </a:r>
+            <a:endParaRPr lang="en-US" dirty="0"/>
           </a:p>
         </p:txBody>
       </p:sp>
     </p:spTree>
     <p:extLst>
       <p:ext uri="{BB962C8B-B14F-4D97-AF65-F5344CB8AC3E}">
-        <p14:creationId xmlns:p14="http://schemas.microsoft.com/office/powerpoint/2010/main" val="888304381"/>
-      </p:ext>
-    </p:extLst>
-  </p:cSld>
-  <p:clrMapOvr>
-    <a:masterClrMapping/>
-  </p:clrMapOvr>
-  <mc:AlternateContent xmlns:mc="http://schemas.openxmlformats.org/markup-compatibility/2006" xmlns:p14="http://schemas.microsoft.com/office/powerpoint/2010/main">
-    <mc:Choice Requires="p14">
-      <p:transition spd="med" p14:dur="700">
-        <p:fade/>
-      </p:transition>
-    </mc:Choice>
-    <mc:Fallback xmlns="">
-      <p:transition spd="med">
-        <p:fade/>
-      </p:transition>
-    </mc:Fallback>
-  </mc:AlternateContent>
-</p:sld>
-</file>
-
-<file path=ppt/slides/slide8.xml><?xml version="1.0" encoding="utf-8"?>
-<p:sld xmlns:a="http://schemas.openxmlformats.org/drawingml/2006/main" xmlns:r="http://schemas.openxmlformats.org/officeDocument/2006/relationships" xmlns:p="http://schemas.openxmlformats.org/presentationml/2006/main">
-  <p:cSld>
-    <p:spTree>
-      <p:nvGrpSpPr>
-        <p:cNvPr id="1" name=""/>
-        <p:cNvGrpSpPr/>
-        <p:nvPr/>
-      </p:nvGrpSpPr>
-      <p:grpSpPr>
-        <a:xfrm>
-          <a:off x="0" y="0"/>
-          <a:ext cx="0" cy="0"/>
-          <a:chOff x="0" y="0"/>
-          <a:chExt cx="0" cy="0"/>
-        </a:xfrm>
-      </p:grpSpPr>
-      <p:sp>
-        <p:nvSpPr>
-          <p:cNvPr id="2" name="Titolo 1"/>
-          <p:cNvSpPr>
-            <a:spLocks noGrp="1"/>
-          </p:cNvSpPr>
-          <p:nvPr>
-            <p:ph type="title"/>
-          </p:nvPr>
-        </p:nvSpPr>
-        <p:spPr/>
-        <p:txBody>
-          <a:bodyPr rtlCol="0"/>
-          <a:lstStyle/>
-          <a:p>
-            <a:pPr rtl="0"/>
-            <a:r>
-              <a:rPr lang="it-IT" dirty="0" smtClean="0"/>
-              <a:t>Aggiungere un titolo di diapositiva - 3</a:t>
-            </a:r>
-            <a:endParaRPr lang="it-IT" dirty="0"/>
-          </a:p>
-        </p:txBody>
-      </p:sp>
-      <p:sp>
-        <p:nvSpPr>
-          <p:cNvPr id="3" name="Segnaposto piè di pagina 2"/>
-          <p:cNvSpPr>
-            <a:spLocks noGrp="1"/>
-          </p:cNvSpPr>
-          <p:nvPr>
-            <p:ph type="ftr" sz="quarter" idx="11"/>
-          </p:nvPr>
-        </p:nvSpPr>
-        <p:spPr/>
-        <p:txBody>
-          <a:bodyPr/>
-          <a:lstStyle/>
-          <a:p>
-            <a:pPr rtl="0"/>
-            <a:r>
-              <a:rPr lang="en-US" smtClean="0"/>
-              <a:t>MiMaCh System - Intermediate Competition - Intelligent Systems</a:t>
-            </a:r>
-            <a:endParaRPr lang="it-IT" dirty="0"/>
-          </a:p>
-        </p:txBody>
-      </p:sp>
-      <p:sp>
-        <p:nvSpPr>
-          <p:cNvPr id="4" name="Segnaposto numero diapositiva 3"/>
-          <p:cNvSpPr>
-            <a:spLocks noGrp="1"/>
-          </p:cNvSpPr>
-          <p:nvPr>
-            <p:ph type="sldNum" sz="quarter" idx="12"/>
-          </p:nvPr>
-        </p:nvSpPr>
-        <p:spPr/>
-        <p:txBody>
-          <a:bodyPr/>
-          <a:lstStyle/>
-          <a:p>
-            <a:pPr rtl="0"/>
-            <a:fld id="{BD266BE7-899D-4075-917F-DBDE33B6B692}" type="slidenum">
-              <a:rPr lang="it-IT" smtClean="0"/>
-              <a:t>8</a:t>
-            </a:fld>
-            <a:endParaRPr lang="it-IT" dirty="0"/>
-          </a:p>
-        </p:txBody>
-      </p:sp>
-    </p:spTree>
-    <p:extLst>
-      <p:ext uri="{BB962C8B-B14F-4D97-AF65-F5344CB8AC3E}">
-        <p14:creationId xmlns:p14="http://schemas.microsoft.com/office/powerpoint/2010/main" val="2902466307"/>
-      </p:ext>
-    </p:extLst>
-  </p:cSld>
-  <p:clrMapOvr>
-    <a:masterClrMapping/>
-  </p:clrMapOvr>
-  <mc:AlternateContent xmlns:mc="http://schemas.openxmlformats.org/markup-compatibility/2006" xmlns:p14="http://schemas.microsoft.com/office/powerpoint/2010/main">
-    <mc:Choice Requires="p14">
-      <p:transition spd="med" p14:dur="700">
-        <p:fade/>
-      </p:transition>
-    </mc:Choice>
-    <mc:Fallback xmlns="">
-      <p:transition spd="med">
-        <p:fade/>
-      </p:transition>
-    </mc:Fallback>
-  </mc:AlternateContent>
-</p:sld>
-</file>
-
-<file path=ppt/slides/slide9.xml><?xml version="1.0" encoding="utf-8"?>
-<p:sld xmlns:a="http://schemas.openxmlformats.org/drawingml/2006/main" xmlns:r="http://schemas.openxmlformats.org/officeDocument/2006/relationships" xmlns:p="http://schemas.openxmlformats.org/presentationml/2006/main">
-  <p:cSld>
-    <p:spTree>
-      <p:nvGrpSpPr>
-        <p:cNvPr id="1" name=""/>
-        <p:cNvGrpSpPr/>
-        <p:nvPr/>
-      </p:nvGrpSpPr>
-      <p:grpSpPr>
-        <a:xfrm>
-          <a:off x="0" y="0"/>
-          <a:ext cx="0" cy="0"/>
-          <a:chOff x="0" y="0"/>
-          <a:chExt cx="0" cy="0"/>
-        </a:xfrm>
-      </p:grpSpPr>
-      <p:sp>
-        <p:nvSpPr>
-          <p:cNvPr id="2" name="Segnaposto piè di pagina 1"/>
-          <p:cNvSpPr>
-            <a:spLocks noGrp="1"/>
-          </p:cNvSpPr>
-          <p:nvPr>
-            <p:ph type="ftr" sz="quarter" idx="11"/>
-          </p:nvPr>
-        </p:nvSpPr>
-        <p:spPr/>
-        <p:txBody>
-          <a:bodyPr/>
-          <a:lstStyle/>
-          <a:p>
-            <a:pPr rtl="0"/>
-            <a:r>
-              <a:rPr lang="en-US" smtClean="0"/>
-              <a:t>MiMaCh System - Intermediate Competition - Intelligent Systems</a:t>
-            </a:r>
-            <a:endParaRPr lang="it-IT" dirty="0"/>
-          </a:p>
-        </p:txBody>
-      </p:sp>
-      <p:sp>
-        <p:nvSpPr>
-          <p:cNvPr id="3" name="Segnaposto numero diapositiva 2"/>
-          <p:cNvSpPr>
-            <a:spLocks noGrp="1"/>
-          </p:cNvSpPr>
-          <p:nvPr>
-            <p:ph type="sldNum" sz="quarter" idx="12"/>
-          </p:nvPr>
-        </p:nvSpPr>
-        <p:spPr/>
-        <p:txBody>
-          <a:bodyPr/>
-          <a:lstStyle/>
-          <a:p>
-            <a:pPr rtl="0"/>
-            <a:fld id="{BD266BE7-899D-4075-917F-DBDE33B6B692}" type="slidenum">
-              <a:rPr lang="it-IT" smtClean="0"/>
-              <a:t>9</a:t>
-            </a:fld>
-            <a:endParaRPr lang="it-IT" dirty="0"/>
-          </a:p>
-        </p:txBody>
-      </p:sp>
-    </p:spTree>
-    <p:extLst>
-      <p:ext uri="{BB962C8B-B14F-4D97-AF65-F5344CB8AC3E}">
-        <p14:creationId xmlns:p14="http://schemas.microsoft.com/office/powerpoint/2010/main" val="3350644395"/>
+        <p14:creationId xmlns:p14="http://schemas.microsoft.com/office/powerpoint/2010/main" val="1294575105"/>
       </p:ext>
     </p:extLst>
   </p:cSld>
